--- a/ProtocolBuffer简介——by顾汉杰.pptx
+++ b/ProtocolBuffer简介——by顾汉杰.pptx
@@ -5,7 +5,7 @@
     <p:sldMasterId id="2147483648" r:id="rId1"/>
   </p:sldMasterIdLst>
   <p:notesMasterIdLst>
-    <p:notesMasterId r:id="rId18"/>
+    <p:notesMasterId r:id="rId20"/>
   </p:notesMasterIdLst>
   <p:sldIdLst>
     <p:sldId id="256" r:id="rId2"/>
@@ -23,7 +23,9 @@
     <p:sldId id="272" r:id="rId14"/>
     <p:sldId id="264" r:id="rId15"/>
     <p:sldId id="274" r:id="rId16"/>
-    <p:sldId id="259" r:id="rId17"/>
+    <p:sldId id="275" r:id="rId17"/>
+    <p:sldId id="276" r:id="rId18"/>
+    <p:sldId id="259" r:id="rId19"/>
   </p:sldIdLst>
   <p:sldSz cx="9144000" cy="6858000" type="screen4x3"/>
   <p:notesSz cx="6858000" cy="9144000"/>
@@ -223,7 +225,7 @@
           <a:p>
             <a:fld id="{A1FC34FB-5741-456C-913B-2C8C1133FF29}" type="datetimeFigureOut">
               <a:rPr lang="zh-CN" altLang="en-US" smtClean="0"/>
-              <a:t>2016/5/3</a:t>
+              <a:t>2016/5/5</a:t>
             </a:fld>
             <a:endParaRPr lang="zh-CN" altLang="en-US"/>
           </a:p>
@@ -4923,7 +4925,7 @@
         </p:nvSpPr>
         <p:spPr bwMode="auto">
           <a:xfrm>
-            <a:off x="6019799" y="1647825"/>
+            <a:off x="3275856" y="2782136"/>
             <a:ext cx="2872681" cy="1179778"/>
           </a:xfrm>
           <a:prstGeom prst="rect">
@@ -5580,7 +5582,7 @@
         </p:nvSpPr>
         <p:spPr>
           <a:xfrm>
-            <a:off x="6821866" y="3139040"/>
+            <a:off x="4077923" y="4273351"/>
             <a:ext cx="904799" cy="307777"/>
           </a:xfrm>
           <a:prstGeom prst="rect">
@@ -5618,7 +5620,7 @@
         </p:nvSpPr>
         <p:spPr>
           <a:xfrm>
-            <a:off x="4881977" y="3139040"/>
+            <a:off x="2138034" y="4273351"/>
             <a:ext cx="986167" cy="307777"/>
           </a:xfrm>
           <a:prstGeom prst="rect">
@@ -5656,7 +5658,7 @@
         </p:nvSpPr>
         <p:spPr>
           <a:xfrm>
-            <a:off x="5841117" y="3139040"/>
+            <a:off x="3097174" y="4273351"/>
             <a:ext cx="1007776" cy="307777"/>
           </a:xfrm>
           <a:prstGeom prst="rect">
@@ -5696,7 +5698,7 @@
         </p:nvCxnSpPr>
         <p:spPr>
           <a:xfrm flipV="1">
-            <a:off x="5375061" y="2555740"/>
+            <a:off x="2631118" y="3690051"/>
             <a:ext cx="848801" cy="583300"/>
           </a:xfrm>
           <a:prstGeom prst="straightConnector1">
@@ -5732,7 +5734,7 @@
         </p:nvCxnSpPr>
         <p:spPr>
           <a:xfrm flipV="1">
-            <a:off x="6345005" y="2559782"/>
+            <a:off x="3601062" y="3694093"/>
             <a:ext cx="720036" cy="579258"/>
           </a:xfrm>
           <a:prstGeom prst="straightConnector1">
@@ -5768,7 +5770,7 @@
         </p:nvCxnSpPr>
         <p:spPr>
           <a:xfrm flipV="1">
-            <a:off x="7274266" y="2555740"/>
+            <a:off x="4530323" y="3690051"/>
             <a:ext cx="368959" cy="583300"/>
           </a:xfrm>
           <a:prstGeom prst="straightConnector1">
@@ -5802,7 +5804,7 @@
         </p:nvSpPr>
         <p:spPr>
           <a:xfrm>
-            <a:off x="6084168" y="1844824"/>
+            <a:off x="3340225" y="2998160"/>
             <a:ext cx="714808" cy="648072"/>
           </a:xfrm>
           <a:prstGeom prst="roundRect">
@@ -5849,7 +5851,7 @@
         </p:nvSpPr>
         <p:spPr>
           <a:xfrm>
-            <a:off x="6874382" y="1844824"/>
+            <a:off x="4130439" y="2998161"/>
             <a:ext cx="505930" cy="648071"/>
           </a:xfrm>
           <a:prstGeom prst="roundRect">
@@ -5896,7 +5898,7 @@
         </p:nvSpPr>
         <p:spPr>
           <a:xfrm>
-            <a:off x="7431403" y="1844824"/>
+            <a:off x="4687460" y="2998162"/>
             <a:ext cx="526162" cy="648070"/>
           </a:xfrm>
           <a:prstGeom prst="roundRect">
@@ -5943,7 +5945,7 @@
         </p:nvSpPr>
         <p:spPr>
           <a:xfrm>
-            <a:off x="8014217" y="1844824"/>
+            <a:off x="5270274" y="2998162"/>
             <a:ext cx="526162" cy="648070"/>
           </a:xfrm>
           <a:prstGeom prst="roundRect">
@@ -5990,7 +5992,7 @@
         </p:nvSpPr>
         <p:spPr>
           <a:xfrm>
-            <a:off x="7699638" y="3139040"/>
+            <a:off x="4955695" y="4273351"/>
             <a:ext cx="1083182" cy="307777"/>
           </a:xfrm>
           <a:prstGeom prst="rect">
@@ -6030,7 +6032,7 @@
         </p:nvCxnSpPr>
         <p:spPr>
           <a:xfrm flipH="1" flipV="1">
-            <a:off x="8234866" y="2555740"/>
+            <a:off x="5490923" y="3690051"/>
             <a:ext cx="6363" cy="583300"/>
           </a:xfrm>
           <a:prstGeom prst="straightConnector1">
@@ -6066,6 +6068,538 @@
   <p:clrMapOvr>
     <a:masterClrMapping/>
   </p:clrMapOvr>
+  <p:timing>
+    <p:tnLst>
+      <p:par>
+        <p:cTn id="1" dur="indefinite" restart="never" nodeType="tmRoot">
+          <p:childTnLst>
+            <p:seq concurrent="1" nextAc="seek">
+              <p:cTn id="2" dur="indefinite" nodeType="mainSeq">
+                <p:childTnLst>
+                  <p:par>
+                    <p:cTn id="3" fill="hold">
+                      <p:stCondLst>
+                        <p:cond delay="indefinite"/>
+                      </p:stCondLst>
+                      <p:childTnLst>
+                        <p:par>
+                          <p:cTn id="4" fill="hold">
+                            <p:stCondLst>
+                              <p:cond delay="0"/>
+                            </p:stCondLst>
+                            <p:childTnLst>
+                              <p:par>
+                                <p:cTn id="5" presetID="22" presetClass="entr" presetSubtype="4" fill="hold" grpId="0" nodeType="clickEffect">
+                                  <p:stCondLst>
+                                    <p:cond delay="0"/>
+                                  </p:stCondLst>
+                                  <p:childTnLst>
+                                    <p:set>
+                                      <p:cBhvr>
+                                        <p:cTn id="6" dur="1" fill="hold">
+                                          <p:stCondLst>
+                                            <p:cond delay="0"/>
+                                          </p:stCondLst>
+                                        </p:cTn>
+                                        <p:tgtEl>
+                                          <p:spTgt spid="23"/>
+                                        </p:tgtEl>
+                                        <p:attrNameLst>
+                                          <p:attrName>style.visibility</p:attrName>
+                                        </p:attrNameLst>
+                                      </p:cBhvr>
+                                      <p:to>
+                                        <p:strVal val="visible"/>
+                                      </p:to>
+                                    </p:set>
+                                    <p:animEffect transition="in" filter="wipe(down)">
+                                      <p:cBhvr>
+                                        <p:cTn id="7" dur="500"/>
+                                        <p:tgtEl>
+                                          <p:spTgt spid="23"/>
+                                        </p:tgtEl>
+                                      </p:cBhvr>
+                                    </p:animEffect>
+                                  </p:childTnLst>
+                                </p:cTn>
+                              </p:par>
+                              <p:par>
+                                <p:cTn id="8" presetID="22" presetClass="entr" presetSubtype="4" fill="hold" nodeType="withEffect">
+                                  <p:stCondLst>
+                                    <p:cond delay="0"/>
+                                  </p:stCondLst>
+                                  <p:childTnLst>
+                                    <p:set>
+                                      <p:cBhvr>
+                                        <p:cTn id="9" dur="1" fill="hold">
+                                          <p:stCondLst>
+                                            <p:cond delay="0"/>
+                                          </p:stCondLst>
+                                        </p:cTn>
+                                        <p:tgtEl>
+                                          <p:spTgt spid="14"/>
+                                        </p:tgtEl>
+                                        <p:attrNameLst>
+                                          <p:attrName>style.visibility</p:attrName>
+                                        </p:attrNameLst>
+                                      </p:cBhvr>
+                                      <p:to>
+                                        <p:strVal val="visible"/>
+                                      </p:to>
+                                    </p:set>
+                                    <p:animEffect transition="in" filter="wipe(down)">
+                                      <p:cBhvr>
+                                        <p:cTn id="10" dur="500"/>
+                                        <p:tgtEl>
+                                          <p:spTgt spid="14"/>
+                                        </p:tgtEl>
+                                      </p:cBhvr>
+                                    </p:animEffect>
+                                  </p:childTnLst>
+                                </p:cTn>
+                              </p:par>
+                              <p:par>
+                                <p:cTn id="11" presetID="22" presetClass="entr" presetSubtype="4" fill="hold" grpId="0" nodeType="withEffect">
+                                  <p:stCondLst>
+                                    <p:cond delay="0"/>
+                                  </p:stCondLst>
+                                  <p:childTnLst>
+                                    <p:set>
+                                      <p:cBhvr>
+                                        <p:cTn id="12" dur="1" fill="hold">
+                                          <p:stCondLst>
+                                            <p:cond delay="0"/>
+                                          </p:stCondLst>
+                                        </p:cTn>
+                                        <p:tgtEl>
+                                          <p:spTgt spid="10"/>
+                                        </p:tgtEl>
+                                        <p:attrNameLst>
+                                          <p:attrName>style.visibility</p:attrName>
+                                        </p:attrNameLst>
+                                      </p:cBhvr>
+                                      <p:to>
+                                        <p:strVal val="visible"/>
+                                      </p:to>
+                                    </p:set>
+                                    <p:animEffect transition="in" filter="wipe(down)">
+                                      <p:cBhvr>
+                                        <p:cTn id="13" dur="500"/>
+                                        <p:tgtEl>
+                                          <p:spTgt spid="10"/>
+                                        </p:tgtEl>
+                                      </p:cBhvr>
+                                    </p:animEffect>
+                                  </p:childTnLst>
+                                </p:cTn>
+                              </p:par>
+                            </p:childTnLst>
+                          </p:cTn>
+                        </p:par>
+                      </p:childTnLst>
+                    </p:cTn>
+                  </p:par>
+                  <p:par>
+                    <p:cTn id="14" fill="hold">
+                      <p:stCondLst>
+                        <p:cond delay="indefinite"/>
+                      </p:stCondLst>
+                      <p:childTnLst>
+                        <p:par>
+                          <p:cTn id="15" fill="hold">
+                            <p:stCondLst>
+                              <p:cond delay="0"/>
+                            </p:stCondLst>
+                            <p:childTnLst>
+                              <p:par>
+                                <p:cTn id="16" presetID="22" presetClass="entr" presetSubtype="4" fill="hold" grpId="0" nodeType="clickEffect">
+                                  <p:stCondLst>
+                                    <p:cond delay="0"/>
+                                  </p:stCondLst>
+                                  <p:childTnLst>
+                                    <p:set>
+                                      <p:cBhvr>
+                                        <p:cTn id="17" dur="1" fill="hold">
+                                          <p:stCondLst>
+                                            <p:cond delay="0"/>
+                                          </p:stCondLst>
+                                        </p:cTn>
+                                        <p:tgtEl>
+                                          <p:spTgt spid="24"/>
+                                        </p:tgtEl>
+                                        <p:attrNameLst>
+                                          <p:attrName>style.visibility</p:attrName>
+                                        </p:attrNameLst>
+                                      </p:cBhvr>
+                                      <p:to>
+                                        <p:strVal val="visible"/>
+                                      </p:to>
+                                    </p:set>
+                                    <p:animEffect transition="in" filter="wipe(down)">
+                                      <p:cBhvr>
+                                        <p:cTn id="18" dur="500"/>
+                                        <p:tgtEl>
+                                          <p:spTgt spid="24"/>
+                                        </p:tgtEl>
+                                      </p:cBhvr>
+                                    </p:animEffect>
+                                  </p:childTnLst>
+                                </p:cTn>
+                              </p:par>
+                              <p:par>
+                                <p:cTn id="19" presetID="22" presetClass="entr" presetSubtype="4" fill="hold" nodeType="withEffect">
+                                  <p:stCondLst>
+                                    <p:cond delay="0"/>
+                                  </p:stCondLst>
+                                  <p:childTnLst>
+                                    <p:set>
+                                      <p:cBhvr>
+                                        <p:cTn id="20" dur="1" fill="hold">
+                                          <p:stCondLst>
+                                            <p:cond delay="0"/>
+                                          </p:stCondLst>
+                                        </p:cTn>
+                                        <p:tgtEl>
+                                          <p:spTgt spid="15"/>
+                                        </p:tgtEl>
+                                        <p:attrNameLst>
+                                          <p:attrName>style.visibility</p:attrName>
+                                        </p:attrNameLst>
+                                      </p:cBhvr>
+                                      <p:to>
+                                        <p:strVal val="visible"/>
+                                      </p:to>
+                                    </p:set>
+                                    <p:animEffect transition="in" filter="wipe(down)">
+                                      <p:cBhvr>
+                                        <p:cTn id="21" dur="500"/>
+                                        <p:tgtEl>
+                                          <p:spTgt spid="15"/>
+                                        </p:tgtEl>
+                                      </p:cBhvr>
+                                    </p:animEffect>
+                                  </p:childTnLst>
+                                </p:cTn>
+                              </p:par>
+                              <p:par>
+                                <p:cTn id="22" presetID="22" presetClass="entr" presetSubtype="4" fill="hold" grpId="0" nodeType="withEffect">
+                                  <p:stCondLst>
+                                    <p:cond delay="0"/>
+                                  </p:stCondLst>
+                                  <p:childTnLst>
+                                    <p:set>
+                                      <p:cBhvr>
+                                        <p:cTn id="23" dur="1" fill="hold">
+                                          <p:stCondLst>
+                                            <p:cond delay="0"/>
+                                          </p:stCondLst>
+                                        </p:cTn>
+                                        <p:tgtEl>
+                                          <p:spTgt spid="11"/>
+                                        </p:tgtEl>
+                                        <p:attrNameLst>
+                                          <p:attrName>style.visibility</p:attrName>
+                                        </p:attrNameLst>
+                                      </p:cBhvr>
+                                      <p:to>
+                                        <p:strVal val="visible"/>
+                                      </p:to>
+                                    </p:set>
+                                    <p:animEffect transition="in" filter="wipe(down)">
+                                      <p:cBhvr>
+                                        <p:cTn id="24" dur="500"/>
+                                        <p:tgtEl>
+                                          <p:spTgt spid="11"/>
+                                        </p:tgtEl>
+                                      </p:cBhvr>
+                                    </p:animEffect>
+                                  </p:childTnLst>
+                                </p:cTn>
+                              </p:par>
+                            </p:childTnLst>
+                          </p:cTn>
+                        </p:par>
+                      </p:childTnLst>
+                    </p:cTn>
+                  </p:par>
+                  <p:par>
+                    <p:cTn id="25" fill="hold">
+                      <p:stCondLst>
+                        <p:cond delay="indefinite"/>
+                      </p:stCondLst>
+                      <p:childTnLst>
+                        <p:par>
+                          <p:cTn id="26" fill="hold">
+                            <p:stCondLst>
+                              <p:cond delay="0"/>
+                            </p:stCondLst>
+                            <p:childTnLst>
+                              <p:par>
+                                <p:cTn id="27" presetID="22" presetClass="entr" presetSubtype="4" fill="hold" grpId="0" nodeType="clickEffect">
+                                  <p:stCondLst>
+                                    <p:cond delay="0"/>
+                                  </p:stCondLst>
+                                  <p:childTnLst>
+                                    <p:set>
+                                      <p:cBhvr>
+                                        <p:cTn id="28" dur="1" fill="hold">
+                                          <p:stCondLst>
+                                            <p:cond delay="0"/>
+                                          </p:stCondLst>
+                                        </p:cTn>
+                                        <p:tgtEl>
+                                          <p:spTgt spid="25"/>
+                                        </p:tgtEl>
+                                        <p:attrNameLst>
+                                          <p:attrName>style.visibility</p:attrName>
+                                        </p:attrNameLst>
+                                      </p:cBhvr>
+                                      <p:to>
+                                        <p:strVal val="visible"/>
+                                      </p:to>
+                                    </p:set>
+                                    <p:animEffect transition="in" filter="wipe(down)">
+                                      <p:cBhvr>
+                                        <p:cTn id="29" dur="500"/>
+                                        <p:tgtEl>
+                                          <p:spTgt spid="25"/>
+                                        </p:tgtEl>
+                                      </p:cBhvr>
+                                    </p:animEffect>
+                                  </p:childTnLst>
+                                </p:cTn>
+                              </p:par>
+                              <p:par>
+                                <p:cTn id="30" presetID="22" presetClass="entr" presetSubtype="4" fill="hold" nodeType="withEffect">
+                                  <p:stCondLst>
+                                    <p:cond delay="0"/>
+                                  </p:stCondLst>
+                                  <p:childTnLst>
+                                    <p:set>
+                                      <p:cBhvr>
+                                        <p:cTn id="31" dur="1" fill="hold">
+                                          <p:stCondLst>
+                                            <p:cond delay="0"/>
+                                          </p:stCondLst>
+                                        </p:cTn>
+                                        <p:tgtEl>
+                                          <p:spTgt spid="18"/>
+                                        </p:tgtEl>
+                                        <p:attrNameLst>
+                                          <p:attrName>style.visibility</p:attrName>
+                                        </p:attrNameLst>
+                                      </p:cBhvr>
+                                      <p:to>
+                                        <p:strVal val="visible"/>
+                                      </p:to>
+                                    </p:set>
+                                    <p:animEffect transition="in" filter="wipe(down)">
+                                      <p:cBhvr>
+                                        <p:cTn id="32" dur="500"/>
+                                        <p:tgtEl>
+                                          <p:spTgt spid="18"/>
+                                        </p:tgtEl>
+                                      </p:cBhvr>
+                                    </p:animEffect>
+                                  </p:childTnLst>
+                                </p:cTn>
+                              </p:par>
+                              <p:par>
+                                <p:cTn id="33" presetID="22" presetClass="entr" presetSubtype="4" fill="hold" grpId="0" nodeType="withEffect">
+                                  <p:stCondLst>
+                                    <p:cond delay="0"/>
+                                  </p:stCondLst>
+                                  <p:childTnLst>
+                                    <p:set>
+                                      <p:cBhvr>
+                                        <p:cTn id="34" dur="1" fill="hold">
+                                          <p:stCondLst>
+                                            <p:cond delay="0"/>
+                                          </p:stCondLst>
+                                        </p:cTn>
+                                        <p:tgtEl>
+                                          <p:spTgt spid="9"/>
+                                        </p:tgtEl>
+                                        <p:attrNameLst>
+                                          <p:attrName>style.visibility</p:attrName>
+                                        </p:attrNameLst>
+                                      </p:cBhvr>
+                                      <p:to>
+                                        <p:strVal val="visible"/>
+                                      </p:to>
+                                    </p:set>
+                                    <p:animEffect transition="in" filter="wipe(down)">
+                                      <p:cBhvr>
+                                        <p:cTn id="35" dur="500"/>
+                                        <p:tgtEl>
+                                          <p:spTgt spid="9"/>
+                                        </p:tgtEl>
+                                      </p:cBhvr>
+                                    </p:animEffect>
+                                  </p:childTnLst>
+                                </p:cTn>
+                              </p:par>
+                            </p:childTnLst>
+                          </p:cTn>
+                        </p:par>
+                      </p:childTnLst>
+                    </p:cTn>
+                  </p:par>
+                  <p:par>
+                    <p:cTn id="36" fill="hold">
+                      <p:stCondLst>
+                        <p:cond delay="indefinite"/>
+                      </p:stCondLst>
+                      <p:childTnLst>
+                        <p:par>
+                          <p:cTn id="37" fill="hold">
+                            <p:stCondLst>
+                              <p:cond delay="0"/>
+                            </p:stCondLst>
+                            <p:childTnLst>
+                              <p:par>
+                                <p:cTn id="38" presetID="22" presetClass="entr" presetSubtype="4" fill="hold" grpId="0" nodeType="clickEffect">
+                                  <p:stCondLst>
+                                    <p:cond delay="0"/>
+                                  </p:stCondLst>
+                                  <p:childTnLst>
+                                    <p:set>
+                                      <p:cBhvr>
+                                        <p:cTn id="39" dur="1" fill="hold">
+                                          <p:stCondLst>
+                                            <p:cond delay="0"/>
+                                          </p:stCondLst>
+                                        </p:cTn>
+                                        <p:tgtEl>
+                                          <p:spTgt spid="30"/>
+                                        </p:tgtEl>
+                                        <p:attrNameLst>
+                                          <p:attrName>style.visibility</p:attrName>
+                                        </p:attrNameLst>
+                                      </p:cBhvr>
+                                      <p:to>
+                                        <p:strVal val="visible"/>
+                                      </p:to>
+                                    </p:set>
+                                    <p:animEffect transition="in" filter="wipe(down)">
+                                      <p:cBhvr>
+                                        <p:cTn id="40" dur="500"/>
+                                        <p:tgtEl>
+                                          <p:spTgt spid="30"/>
+                                        </p:tgtEl>
+                                      </p:cBhvr>
+                                    </p:animEffect>
+                                  </p:childTnLst>
+                                </p:cTn>
+                              </p:par>
+                              <p:par>
+                                <p:cTn id="41" presetID="22" presetClass="entr" presetSubtype="4" fill="hold" nodeType="withEffect">
+                                  <p:stCondLst>
+                                    <p:cond delay="0"/>
+                                  </p:stCondLst>
+                                  <p:childTnLst>
+                                    <p:set>
+                                      <p:cBhvr>
+                                        <p:cTn id="42" dur="1" fill="hold">
+                                          <p:stCondLst>
+                                            <p:cond delay="0"/>
+                                          </p:stCondLst>
+                                        </p:cTn>
+                                        <p:tgtEl>
+                                          <p:spTgt spid="32"/>
+                                        </p:tgtEl>
+                                        <p:attrNameLst>
+                                          <p:attrName>style.visibility</p:attrName>
+                                        </p:attrNameLst>
+                                      </p:cBhvr>
+                                      <p:to>
+                                        <p:strVal val="visible"/>
+                                      </p:to>
+                                    </p:set>
+                                    <p:animEffect transition="in" filter="wipe(down)">
+                                      <p:cBhvr>
+                                        <p:cTn id="43" dur="500"/>
+                                        <p:tgtEl>
+                                          <p:spTgt spid="32"/>
+                                        </p:tgtEl>
+                                      </p:cBhvr>
+                                    </p:animEffect>
+                                  </p:childTnLst>
+                                </p:cTn>
+                              </p:par>
+                              <p:par>
+                                <p:cTn id="44" presetID="22" presetClass="entr" presetSubtype="4" fill="hold" grpId="0" nodeType="withEffect">
+                                  <p:stCondLst>
+                                    <p:cond delay="0"/>
+                                  </p:stCondLst>
+                                  <p:childTnLst>
+                                    <p:set>
+                                      <p:cBhvr>
+                                        <p:cTn id="45" dur="1" fill="hold">
+                                          <p:stCondLst>
+                                            <p:cond delay="0"/>
+                                          </p:stCondLst>
+                                        </p:cTn>
+                                        <p:tgtEl>
+                                          <p:spTgt spid="31"/>
+                                        </p:tgtEl>
+                                        <p:attrNameLst>
+                                          <p:attrName>style.visibility</p:attrName>
+                                        </p:attrNameLst>
+                                      </p:cBhvr>
+                                      <p:to>
+                                        <p:strVal val="visible"/>
+                                      </p:to>
+                                    </p:set>
+                                    <p:animEffect transition="in" filter="wipe(down)">
+                                      <p:cBhvr>
+                                        <p:cTn id="46" dur="500"/>
+                                        <p:tgtEl>
+                                          <p:spTgt spid="31"/>
+                                        </p:tgtEl>
+                                      </p:cBhvr>
+                                    </p:animEffect>
+                                  </p:childTnLst>
+                                </p:cTn>
+                              </p:par>
+                            </p:childTnLst>
+                          </p:cTn>
+                        </p:par>
+                      </p:childTnLst>
+                    </p:cTn>
+                  </p:par>
+                </p:childTnLst>
+              </p:cTn>
+              <p:prevCondLst>
+                <p:cond evt="onPrev" delay="0">
+                  <p:tgtEl>
+                    <p:sldTgt/>
+                  </p:tgtEl>
+                </p:cond>
+              </p:prevCondLst>
+              <p:nextCondLst>
+                <p:cond evt="onNext" delay="0">
+                  <p:tgtEl>
+                    <p:sldTgt/>
+                  </p:tgtEl>
+                </p:cond>
+              </p:nextCondLst>
+            </p:seq>
+          </p:childTnLst>
+        </p:cTn>
+      </p:par>
+    </p:tnLst>
+    <p:bldLst>
+      <p:bldP spid="9" grpId="0"/>
+      <p:bldP spid="10" grpId="0"/>
+      <p:bldP spid="11" grpId="0"/>
+      <p:bldP spid="23" grpId="0" animBg="1"/>
+      <p:bldP spid="24" grpId="0" animBg="1"/>
+      <p:bldP spid="25" grpId="0" animBg="1"/>
+      <p:bldP spid="30" grpId="0" animBg="1"/>
+      <p:bldP spid="31" grpId="0"/>
+    </p:bldLst>
+  </p:timing>
 </p:sld>
 </file>
 
@@ -6751,6 +7285,13 @@
   <p:clrMapOvr>
     <a:masterClrMapping/>
   </p:clrMapOvr>
+  <p:timing>
+    <p:tnLst>
+      <p:par>
+        <p:cTn id="1" dur="indefinite" restart="never" nodeType="tmRoot"/>
+      </p:par>
+    </p:tnLst>
+  </p:timing>
 </p:sld>
 </file>
 
@@ -7861,8 +8402,8 @@
         </p:nvCxnSpPr>
         <p:spPr>
           <a:xfrm>
-            <a:off x="4572000" y="2786197"/>
-            <a:ext cx="1752600" cy="467429"/>
+            <a:off x="4572000" y="2852936"/>
+            <a:ext cx="1752600" cy="400690"/>
           </a:xfrm>
           <a:prstGeom prst="bentConnector3">
             <a:avLst>
@@ -7949,6 +8490,336 @@
   <p:clrMapOvr>
     <a:masterClrMapping/>
   </p:clrMapOvr>
+  <p:timing>
+    <p:tnLst>
+      <p:par>
+        <p:cTn id="1" dur="indefinite" restart="never" nodeType="tmRoot">
+          <p:childTnLst>
+            <p:seq concurrent="1" nextAc="seek">
+              <p:cTn id="2" dur="indefinite" nodeType="mainSeq">
+                <p:childTnLst>
+                  <p:par>
+                    <p:cTn id="3" fill="hold">
+                      <p:stCondLst>
+                        <p:cond delay="indefinite"/>
+                      </p:stCondLst>
+                      <p:childTnLst>
+                        <p:par>
+                          <p:cTn id="4" fill="hold">
+                            <p:stCondLst>
+                              <p:cond delay="0"/>
+                            </p:stCondLst>
+                            <p:childTnLst>
+                              <p:par>
+                                <p:cTn id="5" presetID="22" presetClass="entr" presetSubtype="8" fill="hold" nodeType="clickEffect">
+                                  <p:stCondLst>
+                                    <p:cond delay="0"/>
+                                  </p:stCondLst>
+                                  <p:childTnLst>
+                                    <p:set>
+                                      <p:cBhvr>
+                                        <p:cTn id="6" dur="1" fill="hold">
+                                          <p:stCondLst>
+                                            <p:cond delay="0"/>
+                                          </p:stCondLst>
+                                        </p:cTn>
+                                        <p:tgtEl>
+                                          <p:spTgt spid="25"/>
+                                        </p:tgtEl>
+                                        <p:attrNameLst>
+                                          <p:attrName>style.visibility</p:attrName>
+                                        </p:attrNameLst>
+                                      </p:cBhvr>
+                                      <p:to>
+                                        <p:strVal val="visible"/>
+                                      </p:to>
+                                    </p:set>
+                                    <p:animEffect transition="in" filter="wipe(left)">
+                                      <p:cBhvr>
+                                        <p:cTn id="7" dur="500"/>
+                                        <p:tgtEl>
+                                          <p:spTgt spid="25"/>
+                                        </p:tgtEl>
+                                      </p:cBhvr>
+                                    </p:animEffect>
+                                  </p:childTnLst>
+                                </p:cTn>
+                              </p:par>
+                            </p:childTnLst>
+                          </p:cTn>
+                        </p:par>
+                        <p:par>
+                          <p:cTn id="8" fill="hold">
+                            <p:stCondLst>
+                              <p:cond delay="500"/>
+                            </p:stCondLst>
+                            <p:childTnLst>
+                              <p:par>
+                                <p:cTn id="9" presetID="22" presetClass="entr" presetSubtype="1" fill="hold" nodeType="afterEffect">
+                                  <p:stCondLst>
+                                    <p:cond delay="0"/>
+                                  </p:stCondLst>
+                                  <p:childTnLst>
+                                    <p:set>
+                                      <p:cBhvr>
+                                        <p:cTn id="10" dur="1" fill="hold">
+                                          <p:stCondLst>
+                                            <p:cond delay="0"/>
+                                          </p:stCondLst>
+                                        </p:cTn>
+                                        <p:tgtEl>
+                                          <p:spTgt spid="17"/>
+                                        </p:tgtEl>
+                                        <p:attrNameLst>
+                                          <p:attrName>style.visibility</p:attrName>
+                                        </p:attrNameLst>
+                                      </p:cBhvr>
+                                      <p:to>
+                                        <p:strVal val="visible"/>
+                                      </p:to>
+                                    </p:set>
+                                    <p:animEffect transition="in" filter="wipe(up)">
+                                      <p:cBhvr>
+                                        <p:cTn id="11" dur="500"/>
+                                        <p:tgtEl>
+                                          <p:spTgt spid="17"/>
+                                        </p:tgtEl>
+                                      </p:cBhvr>
+                                    </p:animEffect>
+                                  </p:childTnLst>
+                                </p:cTn>
+                              </p:par>
+                            </p:childTnLst>
+                          </p:cTn>
+                        </p:par>
+                      </p:childTnLst>
+                    </p:cTn>
+                  </p:par>
+                  <p:par>
+                    <p:cTn id="12" fill="hold">
+                      <p:stCondLst>
+                        <p:cond delay="indefinite"/>
+                      </p:stCondLst>
+                      <p:childTnLst>
+                        <p:par>
+                          <p:cTn id="13" fill="hold">
+                            <p:stCondLst>
+                              <p:cond delay="0"/>
+                            </p:stCondLst>
+                            <p:childTnLst>
+                              <p:par>
+                                <p:cTn id="14" presetID="22" presetClass="entr" presetSubtype="8" fill="hold" nodeType="clickEffect">
+                                  <p:stCondLst>
+                                    <p:cond delay="0"/>
+                                  </p:stCondLst>
+                                  <p:childTnLst>
+                                    <p:set>
+                                      <p:cBhvr>
+                                        <p:cTn id="15" dur="1" fill="hold">
+                                          <p:stCondLst>
+                                            <p:cond delay="0"/>
+                                          </p:stCondLst>
+                                        </p:cTn>
+                                        <p:tgtEl>
+                                          <p:spTgt spid="28"/>
+                                        </p:tgtEl>
+                                        <p:attrNameLst>
+                                          <p:attrName>style.visibility</p:attrName>
+                                        </p:attrNameLst>
+                                      </p:cBhvr>
+                                      <p:to>
+                                        <p:strVal val="visible"/>
+                                      </p:to>
+                                    </p:set>
+                                    <p:animEffect transition="in" filter="wipe(left)">
+                                      <p:cBhvr>
+                                        <p:cTn id="16" dur="500"/>
+                                        <p:tgtEl>
+                                          <p:spTgt spid="28"/>
+                                        </p:tgtEl>
+                                      </p:cBhvr>
+                                    </p:animEffect>
+                                  </p:childTnLst>
+                                </p:cTn>
+                              </p:par>
+                            </p:childTnLst>
+                          </p:cTn>
+                        </p:par>
+                        <p:par>
+                          <p:cTn id="17" fill="hold">
+                            <p:stCondLst>
+                              <p:cond delay="500"/>
+                            </p:stCondLst>
+                            <p:childTnLst>
+                              <p:par>
+                                <p:cTn id="18" presetID="22" presetClass="entr" presetSubtype="1" fill="hold" nodeType="afterEffect">
+                                  <p:stCondLst>
+                                    <p:cond delay="0"/>
+                                  </p:stCondLst>
+                                  <p:childTnLst>
+                                    <p:set>
+                                      <p:cBhvr>
+                                        <p:cTn id="19" dur="1" fill="hold">
+                                          <p:stCondLst>
+                                            <p:cond delay="0"/>
+                                          </p:stCondLst>
+                                        </p:cTn>
+                                        <p:tgtEl>
+                                          <p:spTgt spid="15"/>
+                                        </p:tgtEl>
+                                        <p:attrNameLst>
+                                          <p:attrName>style.visibility</p:attrName>
+                                        </p:attrNameLst>
+                                      </p:cBhvr>
+                                      <p:to>
+                                        <p:strVal val="visible"/>
+                                      </p:to>
+                                    </p:set>
+                                    <p:animEffect transition="in" filter="wipe(up)">
+                                      <p:cBhvr>
+                                        <p:cTn id="20" dur="500"/>
+                                        <p:tgtEl>
+                                          <p:spTgt spid="15"/>
+                                        </p:tgtEl>
+                                      </p:cBhvr>
+                                    </p:animEffect>
+                                  </p:childTnLst>
+                                </p:cTn>
+                              </p:par>
+                            </p:childTnLst>
+                          </p:cTn>
+                        </p:par>
+                      </p:childTnLst>
+                    </p:cTn>
+                  </p:par>
+                  <p:par>
+                    <p:cTn id="21" fill="hold">
+                      <p:stCondLst>
+                        <p:cond delay="indefinite"/>
+                      </p:stCondLst>
+                      <p:childTnLst>
+                        <p:par>
+                          <p:cTn id="22" fill="hold">
+                            <p:stCondLst>
+                              <p:cond delay="0"/>
+                            </p:stCondLst>
+                            <p:childTnLst>
+                              <p:par>
+                                <p:cTn id="23" presetID="22" presetClass="entr" presetSubtype="1" fill="hold" nodeType="clickEffect">
+                                  <p:stCondLst>
+                                    <p:cond delay="0"/>
+                                  </p:stCondLst>
+                                  <p:childTnLst>
+                                    <p:set>
+                                      <p:cBhvr>
+                                        <p:cTn id="24" dur="1" fill="hold">
+                                          <p:stCondLst>
+                                            <p:cond delay="0"/>
+                                          </p:stCondLst>
+                                        </p:cTn>
+                                        <p:tgtEl>
+                                          <p:spTgt spid="8"/>
+                                        </p:tgtEl>
+                                        <p:attrNameLst>
+                                          <p:attrName>style.visibility</p:attrName>
+                                        </p:attrNameLst>
+                                      </p:cBhvr>
+                                      <p:to>
+                                        <p:strVal val="visible"/>
+                                      </p:to>
+                                    </p:set>
+                                    <p:animEffect transition="in" filter="wipe(up)">
+                                      <p:cBhvr>
+                                        <p:cTn id="25" dur="500"/>
+                                        <p:tgtEl>
+                                          <p:spTgt spid="8"/>
+                                        </p:tgtEl>
+                                      </p:cBhvr>
+                                    </p:animEffect>
+                                  </p:childTnLst>
+                                </p:cTn>
+                              </p:par>
+                            </p:childTnLst>
+                          </p:cTn>
+                        </p:par>
+                      </p:childTnLst>
+                    </p:cTn>
+                  </p:par>
+                  <p:par>
+                    <p:cTn id="26" fill="hold">
+                      <p:stCondLst>
+                        <p:cond delay="indefinite"/>
+                      </p:stCondLst>
+                      <p:childTnLst>
+                        <p:par>
+                          <p:cTn id="27" fill="hold">
+                            <p:stCondLst>
+                              <p:cond delay="0"/>
+                            </p:stCondLst>
+                            <p:childTnLst>
+                              <p:par>
+                                <p:cTn id="28" presetID="22" presetClass="entr" presetSubtype="1" fill="hold" nodeType="clickEffect">
+                                  <p:stCondLst>
+                                    <p:cond delay="0"/>
+                                  </p:stCondLst>
+                                  <p:childTnLst>
+                                    <p:set>
+                                      <p:cBhvr>
+                                        <p:cTn id="29" dur="1" fill="hold">
+                                          <p:stCondLst>
+                                            <p:cond delay="0"/>
+                                          </p:stCondLst>
+                                        </p:cTn>
+                                        <p:tgtEl>
+                                          <p:spTgt spid="4098"/>
+                                        </p:tgtEl>
+                                        <p:attrNameLst>
+                                          <p:attrName>style.visibility</p:attrName>
+                                        </p:attrNameLst>
+                                      </p:cBhvr>
+                                      <p:to>
+                                        <p:strVal val="visible"/>
+                                      </p:to>
+                                    </p:set>
+                                    <p:animEffect transition="in" filter="wipe(up)">
+                                      <p:cBhvr>
+                                        <p:cTn id="30" dur="500"/>
+                                        <p:tgtEl>
+                                          <p:spTgt spid="4098"/>
+                                        </p:tgtEl>
+                                      </p:cBhvr>
+                                    </p:animEffect>
+                                  </p:childTnLst>
+                                </p:cTn>
+                              </p:par>
+                            </p:childTnLst>
+                          </p:cTn>
+                        </p:par>
+                      </p:childTnLst>
+                    </p:cTn>
+                  </p:par>
+                </p:childTnLst>
+              </p:cTn>
+              <p:prevCondLst>
+                <p:cond evt="onPrev" delay="0">
+                  <p:tgtEl>
+                    <p:sldTgt/>
+                  </p:tgtEl>
+                </p:cond>
+              </p:prevCondLst>
+              <p:nextCondLst>
+                <p:cond evt="onNext" delay="0">
+                  <p:tgtEl>
+                    <p:sldTgt/>
+                  </p:tgtEl>
+                </p:cond>
+              </p:nextCondLst>
+            </p:seq>
+          </p:childTnLst>
+        </p:cTn>
+      </p:par>
+    </p:tnLst>
+  </p:timing>
 </p:sld>
 </file>
 
@@ -8333,7 +9204,6 @@
                 <a:rPr lang="zh-CN" altLang="en-US" sz="1000" dirty="0"/>
                 <a:t>开始</a:t>
               </a:r>
-              <a:endParaRPr lang="zh-CN" altLang="en-US" sz="1000" dirty="0"/>
             </a:p>
           </p:txBody>
         </p:sp>
@@ -8375,7 +9245,6 @@
                 <a:rPr lang="zh-CN" altLang="en-US" sz="1000" dirty="0"/>
                 <a:t>结束</a:t>
               </a:r>
-              <a:endParaRPr lang="zh-CN" altLang="en-US" sz="1000" dirty="0"/>
             </a:p>
           </p:txBody>
         </p:sp>
@@ -8691,8 +9560,8 @@
           </p:nvSpPr>
           <p:spPr>
             <a:xfrm>
-              <a:off x="5881113" y="2923466"/>
-              <a:ext cx="1544012" cy="400110"/>
+              <a:off x="5796136" y="2923466"/>
+              <a:ext cx="1682331" cy="369332"/>
             </a:xfrm>
             <a:prstGeom prst="rect">
               <a:avLst/>
@@ -8700,71 +9569,61 @@
             <a:noFill/>
           </p:spPr>
           <p:txBody>
-            <a:bodyPr wrap="none" rtlCol="0">
+            <a:bodyPr wrap="square" rtlCol="0">
               <a:spAutoFit/>
             </a:bodyPr>
             <a:lstStyle/>
             <a:p>
               <a:r>
-                <a:rPr lang="zh-CN" altLang="en-US" sz="1000" dirty="0" smtClean="0">
+                <a:rPr lang="zh-CN" altLang="en-US" sz="900" dirty="0">
                   <a:solidFill>
-                    <a:schemeClr val="tx1">
-                      <a:lumMod val="50000"/>
-                      <a:lumOff val="50000"/>
-                    </a:schemeClr>
+                    <a:srgbClr val="FF0000"/>
+                  </a:solidFill>
+                </a:rPr>
+                <a:t>需要</a:t>
+              </a:r>
+              <a:r>
+                <a:rPr lang="zh-CN" altLang="en-US" sz="900" dirty="0" smtClean="0">
+                  <a:solidFill>
+                    <a:srgbClr val="FF0000"/>
                   </a:solidFill>
                 </a:rPr>
                 <a:t>依赖</a:t>
               </a:r>
               <a:r>
-                <a:rPr lang="en-US" altLang="zh-CN" sz="1000" dirty="0" err="1" smtClean="0">
+                <a:rPr lang="en-US" altLang="zh-CN" sz="900" dirty="0" err="1" smtClean="0">
                   <a:solidFill>
-                    <a:schemeClr val="tx1">
-                      <a:lumMod val="50000"/>
-                      <a:lumOff val="50000"/>
-                    </a:schemeClr>
+                    <a:srgbClr val="FF0000"/>
                   </a:solidFill>
                 </a:rPr>
                 <a:t>Protobuf</a:t>
               </a:r>
               <a:r>
-                <a:rPr lang="zh-CN" altLang="en-US" sz="1000" dirty="0" smtClean="0">
+                <a:rPr lang="zh-CN" altLang="en-US" sz="900" dirty="0" smtClean="0">
                   <a:solidFill>
-                    <a:schemeClr val="tx1">
-                      <a:lumMod val="50000"/>
-                      <a:lumOff val="50000"/>
-                    </a:schemeClr>
+                    <a:srgbClr val="FF0000"/>
                   </a:solidFill>
                 </a:rPr>
                 <a:t>运行时类库</a:t>
               </a:r>
-              <a:endParaRPr lang="en-US" altLang="zh-CN" sz="1000" dirty="0" smtClean="0">
-                <a:solidFill>
-                  <a:schemeClr val="tx1">
-                    <a:lumMod val="50000"/>
-                    <a:lumOff val="50000"/>
-                  </a:schemeClr>
+              <a:endParaRPr lang="en-US" altLang="zh-CN" sz="900" dirty="0" smtClean="0">
+                <a:solidFill>
+                  <a:srgbClr val="FF0000"/>
                 </a:solidFill>
               </a:endParaRPr>
             </a:p>
             <a:p>
               <a:r>
-                <a:rPr lang="zh-CN" altLang="en-US" sz="1000" dirty="0" smtClean="0">
+                <a:rPr lang="zh-CN" altLang="en-US" sz="900" dirty="0" smtClean="0">
                   <a:solidFill>
-                    <a:schemeClr val="tx1">
-                      <a:lumMod val="50000"/>
-                      <a:lumOff val="50000"/>
-                    </a:schemeClr>
+                    <a:srgbClr val="FF0000"/>
                   </a:solidFill>
                 </a:rPr>
                 <a:t>和编译生成代码</a:t>
               </a:r>
-              <a:endParaRPr lang="zh-CN" altLang="en-US" sz="1000" dirty="0">
-                <a:solidFill>
-                  <a:schemeClr val="tx1">
-                    <a:lumMod val="50000"/>
-                    <a:lumOff val="50000"/>
-                  </a:schemeClr>
+              <a:endParaRPr lang="zh-CN" altLang="en-US" sz="900" dirty="0">
+                <a:solidFill>
+                  <a:srgbClr val="FF0000"/>
                 </a:solidFill>
               </a:endParaRPr>
             </a:p>
@@ -8847,6 +9706,13 @@
   <p:clrMapOvr>
     <a:masterClrMapping/>
   </p:clrMapOvr>
+  <p:timing>
+    <p:tnLst>
+      <p:par>
+        <p:cTn id="1" dur="indefinite" restart="never" nodeType="tmRoot"/>
+      </p:par>
+    </p:tnLst>
+  </p:timing>
 </p:sld>
 </file>
 
@@ -9237,7 +10103,7 @@
         </p:spPr>
         <p:txBody>
           <a:bodyPr>
-            <a:normAutofit fontScale="85000" lnSpcReduction="10000"/>
+            <a:normAutofit fontScale="85000" lnSpcReduction="20000"/>
           </a:bodyPr>
           <a:lstStyle/>
           <a:p>
@@ -9276,6 +10142,14 @@
               <a:t>自描述消息实现（利用</a:t>
             </a:r>
             <a:r>
+              <a:rPr lang="en-US" altLang="zh-CN" sz="1400" dirty="0" err="1"/>
+              <a:t>descriptor.proto</a:t>
+            </a:r>
+            <a:r>
+              <a:rPr lang="zh-CN" altLang="en-US" sz="1200" dirty="0" smtClean="0"/>
+              <a:t>自描述原型，</a:t>
+            </a:r>
+            <a:r>
               <a:rPr lang="en-US" altLang="zh-CN" sz="1400" dirty="0" err="1" smtClean="0"/>
               <a:t>protoc</a:t>
             </a:r>
@@ -9290,6 +10164,18 @@
             <a:r>
               <a:rPr lang="en-US" altLang="zh-CN" sz="1400" dirty="0" err="1" smtClean="0"/>
               <a:t>descriptor_set_out</a:t>
+            </a:r>
+            <a:r>
+              <a:rPr lang="zh-CN" altLang="en-US" sz="1400" dirty="0" smtClean="0"/>
+              <a:t>，</a:t>
+            </a:r>
+            <a:r>
+              <a:rPr lang="en-US" altLang="zh-CN" sz="1400" i="1" dirty="0" err="1">
+                <a:solidFill>
+                  <a:schemeClr val="accent2"/>
+                </a:solidFill>
+              </a:rPr>
+              <a:t>descriptor+payload</a:t>
             </a:r>
             <a:r>
               <a:rPr lang="zh-CN" altLang="en-US" sz="1400" dirty="0" smtClean="0"/>
@@ -9584,13 +10470,13 @@
           <p:nvPr>
             <p:extLst>
               <p:ext uri="{D42A27DB-BD31-4B8C-83A1-F6EECF244321}">
-                <p14:modId xmlns:p14="http://schemas.microsoft.com/office/powerpoint/2010/main" val="1247330210"/>
+                <p14:modId xmlns:p14="http://schemas.microsoft.com/office/powerpoint/2010/main" val="2532979950"/>
               </p:ext>
             </p:extLst>
           </p:nvPr>
         </p:nvGraphicFramePr>
         <p:xfrm>
-          <a:off x="1365058" y="2132856"/>
+          <a:off x="1365058" y="2060848"/>
           <a:ext cx="6413884" cy="1893411"/>
         </p:xfrm>
         <a:graphic>
@@ -10151,6 +11037,13 @@
   <p:clrMapOvr>
     <a:masterClrMapping/>
   </p:clrMapOvr>
+  <p:timing>
+    <p:tnLst>
+      <p:par>
+        <p:cTn id="1" dur="indefinite" restart="never" nodeType="tmRoot"/>
+      </p:par>
+    </p:tnLst>
+  </p:timing>
 </p:sld>
 </file>
 
@@ -10188,7 +11081,15 @@
           <a:p>
             <a:r>
               <a:rPr lang="zh-CN" altLang="en-US" dirty="0" smtClean="0"/>
-              <a:t>参考文献</a:t>
+              <a:t>扩展</a:t>
+            </a:r>
+            <a:r>
+              <a:rPr lang="zh-CN" altLang="en-US" dirty="0" smtClean="0"/>
+              <a:t>实例</a:t>
+            </a:r>
+            <a:r>
+              <a:rPr lang="en-US" altLang="zh-CN" dirty="0" smtClean="0"/>
+              <a:t>1</a:t>
             </a:r>
             <a:endParaRPr lang="zh-CN" altLang="en-US" dirty="0"/>
           </a:p>
@@ -10206,51 +11107,21 @@
         </p:nvSpPr>
         <p:spPr/>
         <p:txBody>
-          <a:bodyPr>
-            <a:normAutofit/>
-          </a:bodyPr>
-          <a:lstStyle/>
-          <a:p>
-            <a:r>
-              <a:rPr lang="en-US" altLang="zh-CN" dirty="0">
-                <a:hlinkClick r:id="rId2"/>
-              </a:rPr>
-              <a:t>https://</a:t>
-            </a:r>
-            <a:r>
-              <a:rPr lang="en-US" altLang="zh-CN" dirty="0" smtClean="0">
-                <a:hlinkClick r:id="rId2"/>
-              </a:rPr>
-              <a:t>developers.google.com/protocol-buffers/docs/overview</a:t>
-            </a:r>
-            <a:endParaRPr lang="en-US" altLang="zh-CN" dirty="0" smtClean="0"/>
-          </a:p>
-          <a:p>
-            <a:pPr fontAlgn="base"/>
-            <a:r>
-              <a:rPr lang="en-US" altLang="zh-CN" dirty="0">
-                <a:hlinkClick r:id="rId3"/>
-              </a:rPr>
-              <a:t>Google Protocol Buffer </a:t>
-            </a:r>
-            <a:r>
-              <a:rPr lang="zh-CN" altLang="en-US" dirty="0">
-                <a:hlinkClick r:id="rId3"/>
-              </a:rPr>
-              <a:t>的使用和原理</a:t>
-            </a:r>
-            <a:endParaRPr lang="zh-CN" altLang="en-US" dirty="0"/>
-          </a:p>
-          <a:p>
-            <a:r>
-              <a:rPr lang="zh-CN" altLang="en-US" dirty="0" smtClean="0">
-                <a:hlinkClick r:id="rId4"/>
-              </a:rPr>
-              <a:t>序列化性能对比</a:t>
-            </a:r>
-            <a:endParaRPr lang="en-US" altLang="zh-CN" dirty="0" smtClean="0"/>
-          </a:p>
-          <a:p>
+          <a:bodyPr/>
+          <a:lstStyle/>
+          <a:p>
+            <a:r>
+              <a:rPr lang="zh-CN" altLang="en-US" dirty="0"/>
+              <a:t>自</a:t>
+            </a:r>
+            <a:r>
+              <a:rPr lang="zh-CN" altLang="en-US" dirty="0" smtClean="0"/>
+              <a:t>描述消息实现</a:t>
+            </a:r>
+            <a:r>
+              <a:rPr lang="zh-CN" altLang="en-US" sz="1800" dirty="0" smtClean="0"/>
+              <a:t>（消费者对消息描述的解耦）</a:t>
+            </a:r>
             <a:endParaRPr lang="zh-CN" altLang="en-US" dirty="0"/>
           </a:p>
         </p:txBody>
@@ -10274,7 +11145,7 @@
               <a:rPr lang="en-US" altLang="zh-CN" smtClean="0"/>
               <a:t>2016-04-28</a:t>
             </a:r>
-            <a:endParaRPr lang="zh-CN" altLang="en-US"/>
+            <a:endParaRPr lang="zh-CN" altLang="en-US" dirty="0"/>
           </a:p>
         </p:txBody>
       </p:sp>
@@ -10297,7 +11168,7 @@
               <a:rPr lang="zh-CN" altLang="en-US" smtClean="0"/>
               <a:t>平安付基础架构中间件组</a:t>
             </a:r>
-            <a:endParaRPr lang="zh-CN" altLang="en-US"/>
+            <a:endParaRPr lang="zh-CN" altLang="en-US" dirty="0"/>
           </a:p>
         </p:txBody>
       </p:sp>
@@ -10320,6 +11191,1952 @@
               <a:rPr lang="zh-CN" altLang="en-US" smtClean="0"/>
               <a:pPr/>
               <a:t>16</a:t>
+            </a:fld>
+            <a:endParaRPr lang="zh-CN" altLang="en-US"/>
+          </a:p>
+        </p:txBody>
+      </p:sp>
+      <p:sp>
+        <p:nvSpPr>
+          <p:cNvPr id="11" name="Rectangle 4"/>
+          <p:cNvSpPr>
+            <a:spLocks noChangeArrowheads="1"/>
+          </p:cNvSpPr>
+          <p:nvPr/>
+        </p:nvSpPr>
+        <p:spPr bwMode="auto">
+          <a:xfrm>
+            <a:off x="1583668" y="2601357"/>
+            <a:ext cx="5976664" cy="2051779"/>
+          </a:xfrm>
+          <a:prstGeom prst="rect">
+            <a:avLst/>
+          </a:prstGeom>
+          <a:solidFill>
+            <a:srgbClr val="F7F7F7"/>
+          </a:solidFill>
+          <a:ln w="9525">
+            <a:solidFill>
+              <a:schemeClr val="tx1">
+                <a:lumMod val="50000"/>
+                <a:lumOff val="50000"/>
+              </a:schemeClr>
+            </a:solidFill>
+            <a:prstDash val="dash"/>
+            <a:miter lim="800000"/>
+            <a:headEnd/>
+            <a:tailEnd/>
+          </a:ln>
+          <a:effectLst/>
+          <a:extLst>
+            <a:ext uri="{AF507438-7753-43E0-B8FC-AC1667EBCBE1}">
+              <a14:hiddenEffects xmlns:a14="http://schemas.microsoft.com/office/drawing/2010/main">
+                <a:effectLst>
+                  <a:outerShdw dist="35921" dir="2700000" algn="ctr" rotWithShape="0">
+                    <a:schemeClr val="bg2"/>
+                  </a:outerShdw>
+                </a:effectLst>
+              </a14:hiddenEffects>
+            </a:ext>
+          </a:extLst>
+        </p:spPr>
+        <p:txBody>
+          <a:bodyPr vert="horz" wrap="square" lIns="0" tIns="101568" rIns="0" bIns="101568" numCol="1" anchor="ctr" anchorCtr="0" compatLnSpc="1">
+            <a:prstTxWarp prst="textNoShape">
+              <a:avLst/>
+            </a:prstTxWarp>
+            <a:spAutoFit/>
+          </a:bodyPr>
+          <a:lstStyle/>
+          <a:p>
+            <a:pPr lvl="0" eaLnBrk="0" fontAlgn="base" hangingPunct="0">
+              <a:spcBef>
+                <a:spcPct val="0"/>
+              </a:spcBef>
+              <a:spcAft>
+                <a:spcPct val="0"/>
+              </a:spcAft>
+            </a:pPr>
+            <a:r>
+              <a:rPr lang="en-US" altLang="zh-CN" sz="1200" dirty="0" smtClean="0">
+                <a:solidFill>
+                  <a:schemeClr val="tx1">
+                    <a:lumMod val="50000"/>
+                    <a:lumOff val="50000"/>
+                  </a:schemeClr>
+                </a:solidFill>
+                <a:latin typeface="Arial" panose="020B0604020202020204" pitchFamily="34" charset="0"/>
+              </a:rPr>
+              <a:t>     message </a:t>
+            </a:r>
+            <a:r>
+              <a:rPr lang="en-US" altLang="zh-CN" sz="1200" dirty="0" err="1">
+                <a:solidFill>
+                  <a:schemeClr val="tx1">
+                    <a:lumMod val="50000"/>
+                    <a:lumOff val="50000"/>
+                  </a:schemeClr>
+                </a:solidFill>
+                <a:latin typeface="Arial" panose="020B0604020202020204" pitchFamily="34" charset="0"/>
+              </a:rPr>
+              <a:t>SelfDescribingMessage</a:t>
+            </a:r>
+            <a:r>
+              <a:rPr lang="en-US" altLang="zh-CN" sz="1200" dirty="0">
+                <a:solidFill>
+                  <a:schemeClr val="tx1">
+                    <a:lumMod val="50000"/>
+                    <a:lumOff val="50000"/>
+                  </a:schemeClr>
+                </a:solidFill>
+                <a:latin typeface="Arial" panose="020B0604020202020204" pitchFamily="34" charset="0"/>
+              </a:rPr>
+              <a:t> {</a:t>
+            </a:r>
+          </a:p>
+          <a:p>
+            <a:pPr lvl="1" eaLnBrk="0" fontAlgn="base" hangingPunct="0">
+              <a:spcBef>
+                <a:spcPct val="0"/>
+              </a:spcBef>
+              <a:spcAft>
+                <a:spcPct val="0"/>
+              </a:spcAft>
+            </a:pPr>
+            <a:r>
+              <a:rPr lang="en-US" altLang="zh-CN" sz="1200" dirty="0">
+                <a:solidFill>
+                  <a:schemeClr val="tx1">
+                    <a:lumMod val="50000"/>
+                    <a:lumOff val="50000"/>
+                  </a:schemeClr>
+                </a:solidFill>
+                <a:latin typeface="Arial" panose="020B0604020202020204" pitchFamily="34" charset="0"/>
+              </a:rPr>
+              <a:t>  // Set of .proto files which define the type.</a:t>
+            </a:r>
+          </a:p>
+          <a:p>
+            <a:pPr lvl="1" eaLnBrk="0" fontAlgn="base" hangingPunct="0">
+              <a:spcBef>
+                <a:spcPct val="0"/>
+              </a:spcBef>
+              <a:spcAft>
+                <a:spcPct val="0"/>
+              </a:spcAft>
+            </a:pPr>
+            <a:r>
+              <a:rPr lang="en-US" altLang="zh-CN" sz="1200" dirty="0">
+                <a:solidFill>
+                  <a:schemeClr val="tx1">
+                    <a:lumMod val="50000"/>
+                    <a:lumOff val="50000"/>
+                  </a:schemeClr>
+                </a:solidFill>
+                <a:latin typeface="Arial" panose="020B0604020202020204" pitchFamily="34" charset="0"/>
+              </a:rPr>
+              <a:t>  required </a:t>
+            </a:r>
+            <a:r>
+              <a:rPr lang="en-US" altLang="zh-CN" sz="1200" u="sng" dirty="0" err="1">
+                <a:solidFill>
+                  <a:schemeClr val="accent2"/>
+                </a:solidFill>
+                <a:latin typeface="Arial" panose="020B0604020202020204" pitchFamily="34" charset="0"/>
+              </a:rPr>
+              <a:t>FileDescriptorSet</a:t>
+            </a:r>
+            <a:r>
+              <a:rPr lang="en-US" altLang="zh-CN" sz="1200" dirty="0">
+                <a:solidFill>
+                  <a:schemeClr val="tx1">
+                    <a:lumMod val="50000"/>
+                    <a:lumOff val="50000"/>
+                  </a:schemeClr>
+                </a:solidFill>
+                <a:latin typeface="Arial" panose="020B0604020202020204" pitchFamily="34" charset="0"/>
+              </a:rPr>
+              <a:t> </a:t>
+            </a:r>
+            <a:r>
+              <a:rPr lang="en-US" altLang="zh-CN" sz="1200" dirty="0" err="1">
+                <a:solidFill>
+                  <a:schemeClr val="tx1">
+                    <a:lumMod val="50000"/>
+                    <a:lumOff val="50000"/>
+                  </a:schemeClr>
+                </a:solidFill>
+                <a:latin typeface="Arial" panose="020B0604020202020204" pitchFamily="34" charset="0"/>
+              </a:rPr>
+              <a:t>proto_files</a:t>
+            </a:r>
+            <a:r>
+              <a:rPr lang="en-US" altLang="zh-CN" sz="1200" dirty="0">
+                <a:solidFill>
+                  <a:schemeClr val="tx1">
+                    <a:lumMod val="50000"/>
+                    <a:lumOff val="50000"/>
+                  </a:schemeClr>
+                </a:solidFill>
+                <a:latin typeface="Arial" panose="020B0604020202020204" pitchFamily="34" charset="0"/>
+              </a:rPr>
+              <a:t> = 1;</a:t>
+            </a:r>
+          </a:p>
+          <a:p>
+            <a:pPr lvl="0" eaLnBrk="0" fontAlgn="base" hangingPunct="0">
+              <a:spcBef>
+                <a:spcPct val="0"/>
+              </a:spcBef>
+              <a:spcAft>
+                <a:spcPct val="0"/>
+              </a:spcAft>
+            </a:pPr>
+            <a:endParaRPr lang="en-US" altLang="zh-CN" sz="1200" dirty="0">
+              <a:solidFill>
+                <a:schemeClr val="tx1">
+                  <a:lumMod val="50000"/>
+                  <a:lumOff val="50000"/>
+                </a:schemeClr>
+              </a:solidFill>
+              <a:latin typeface="Arial" panose="020B0604020202020204" pitchFamily="34" charset="0"/>
+            </a:endParaRPr>
+          </a:p>
+          <a:p>
+            <a:pPr lvl="1" eaLnBrk="0" fontAlgn="base" hangingPunct="0">
+              <a:spcBef>
+                <a:spcPct val="0"/>
+              </a:spcBef>
+              <a:spcAft>
+                <a:spcPct val="0"/>
+              </a:spcAft>
+            </a:pPr>
+            <a:r>
+              <a:rPr lang="en-US" altLang="zh-CN" sz="1200" dirty="0">
+                <a:solidFill>
+                  <a:schemeClr val="tx1">
+                    <a:lumMod val="50000"/>
+                    <a:lumOff val="50000"/>
+                  </a:schemeClr>
+                </a:solidFill>
+                <a:latin typeface="Arial" panose="020B0604020202020204" pitchFamily="34" charset="0"/>
+              </a:rPr>
+              <a:t>  // Name of the message type.  Must be defined by one of the files </a:t>
+            </a:r>
+            <a:r>
+              <a:rPr lang="en-US" altLang="zh-CN" sz="1200" dirty="0" smtClean="0">
+                <a:solidFill>
+                  <a:schemeClr val="tx1">
+                    <a:lumMod val="50000"/>
+                    <a:lumOff val="50000"/>
+                  </a:schemeClr>
+                </a:solidFill>
+                <a:latin typeface="Arial" panose="020B0604020202020204" pitchFamily="34" charset="0"/>
+              </a:rPr>
+              <a:t>in </a:t>
+            </a:r>
+            <a:r>
+              <a:rPr lang="en-US" altLang="zh-CN" sz="1200" dirty="0" err="1" smtClean="0">
+                <a:solidFill>
+                  <a:schemeClr val="tx1">
+                    <a:lumMod val="50000"/>
+                    <a:lumOff val="50000"/>
+                  </a:schemeClr>
+                </a:solidFill>
+                <a:latin typeface="Arial" panose="020B0604020202020204" pitchFamily="34" charset="0"/>
+              </a:rPr>
+              <a:t>proto_files</a:t>
+            </a:r>
+            <a:r>
+              <a:rPr lang="en-US" altLang="zh-CN" sz="1200" dirty="0" smtClean="0">
+                <a:solidFill>
+                  <a:schemeClr val="tx1">
+                    <a:lumMod val="50000"/>
+                    <a:lumOff val="50000"/>
+                  </a:schemeClr>
+                </a:solidFill>
+                <a:latin typeface="Arial" panose="020B0604020202020204" pitchFamily="34" charset="0"/>
+              </a:rPr>
+              <a:t>.</a:t>
+            </a:r>
+            <a:endParaRPr lang="en-US" altLang="zh-CN" sz="1200" dirty="0">
+              <a:solidFill>
+                <a:schemeClr val="tx1">
+                  <a:lumMod val="50000"/>
+                  <a:lumOff val="50000"/>
+                </a:schemeClr>
+              </a:solidFill>
+              <a:latin typeface="Arial" panose="020B0604020202020204" pitchFamily="34" charset="0"/>
+            </a:endParaRPr>
+          </a:p>
+          <a:p>
+            <a:pPr lvl="1" eaLnBrk="0" fontAlgn="base" hangingPunct="0">
+              <a:spcBef>
+                <a:spcPct val="0"/>
+              </a:spcBef>
+              <a:spcAft>
+                <a:spcPct val="0"/>
+              </a:spcAft>
+            </a:pPr>
+            <a:r>
+              <a:rPr lang="en-US" altLang="zh-CN" sz="1200" dirty="0">
+                <a:solidFill>
+                  <a:schemeClr val="tx1">
+                    <a:lumMod val="50000"/>
+                    <a:lumOff val="50000"/>
+                  </a:schemeClr>
+                </a:solidFill>
+                <a:latin typeface="Arial" panose="020B0604020202020204" pitchFamily="34" charset="0"/>
+              </a:rPr>
+              <a:t> </a:t>
+            </a:r>
+            <a:r>
+              <a:rPr lang="en-US" altLang="zh-CN" sz="1200" dirty="0" smtClean="0">
+                <a:solidFill>
+                  <a:schemeClr val="tx1">
+                    <a:lumMod val="50000"/>
+                    <a:lumOff val="50000"/>
+                  </a:schemeClr>
+                </a:solidFill>
+                <a:latin typeface="Arial" panose="020B0604020202020204" pitchFamily="34" charset="0"/>
+              </a:rPr>
+              <a:t>required </a:t>
+            </a:r>
+            <a:r>
+              <a:rPr lang="en-US" altLang="zh-CN" sz="1200" dirty="0">
+                <a:solidFill>
+                  <a:schemeClr val="tx1">
+                    <a:lumMod val="50000"/>
+                    <a:lumOff val="50000"/>
+                  </a:schemeClr>
+                </a:solidFill>
+                <a:latin typeface="Arial" panose="020B0604020202020204" pitchFamily="34" charset="0"/>
+              </a:rPr>
+              <a:t>string </a:t>
+            </a:r>
+            <a:r>
+              <a:rPr lang="en-US" altLang="zh-CN" sz="1200" dirty="0" err="1">
+                <a:solidFill>
+                  <a:schemeClr val="tx1">
+                    <a:lumMod val="50000"/>
+                    <a:lumOff val="50000"/>
+                  </a:schemeClr>
+                </a:solidFill>
+                <a:latin typeface="Arial" panose="020B0604020202020204" pitchFamily="34" charset="0"/>
+              </a:rPr>
+              <a:t>type_name</a:t>
+            </a:r>
+            <a:r>
+              <a:rPr lang="en-US" altLang="zh-CN" sz="1200" dirty="0">
+                <a:solidFill>
+                  <a:schemeClr val="tx1">
+                    <a:lumMod val="50000"/>
+                    <a:lumOff val="50000"/>
+                  </a:schemeClr>
+                </a:solidFill>
+                <a:latin typeface="Arial" panose="020B0604020202020204" pitchFamily="34" charset="0"/>
+              </a:rPr>
+              <a:t> = 2;</a:t>
+            </a:r>
+          </a:p>
+          <a:p>
+            <a:pPr lvl="1" eaLnBrk="0" fontAlgn="base" hangingPunct="0">
+              <a:spcBef>
+                <a:spcPct val="0"/>
+              </a:spcBef>
+              <a:spcAft>
+                <a:spcPct val="0"/>
+              </a:spcAft>
+            </a:pPr>
+            <a:endParaRPr lang="en-US" altLang="zh-CN" sz="1200" dirty="0">
+              <a:solidFill>
+                <a:schemeClr val="tx1">
+                  <a:lumMod val="50000"/>
+                  <a:lumOff val="50000"/>
+                </a:schemeClr>
+              </a:solidFill>
+              <a:latin typeface="Arial" panose="020B0604020202020204" pitchFamily="34" charset="0"/>
+            </a:endParaRPr>
+          </a:p>
+          <a:p>
+            <a:pPr lvl="1" eaLnBrk="0" fontAlgn="base" hangingPunct="0">
+              <a:spcBef>
+                <a:spcPct val="0"/>
+              </a:spcBef>
+              <a:spcAft>
+                <a:spcPct val="0"/>
+              </a:spcAft>
+            </a:pPr>
+            <a:r>
+              <a:rPr lang="en-US" altLang="zh-CN" sz="1200" dirty="0">
+                <a:solidFill>
+                  <a:schemeClr val="tx1">
+                    <a:lumMod val="50000"/>
+                    <a:lumOff val="50000"/>
+                  </a:schemeClr>
+                </a:solidFill>
+                <a:latin typeface="Arial" panose="020B0604020202020204" pitchFamily="34" charset="0"/>
+              </a:rPr>
+              <a:t> </a:t>
+            </a:r>
+            <a:r>
+              <a:rPr lang="en-US" altLang="zh-CN" sz="1200" dirty="0" smtClean="0">
+                <a:solidFill>
+                  <a:schemeClr val="tx1">
+                    <a:lumMod val="50000"/>
+                    <a:lumOff val="50000"/>
+                  </a:schemeClr>
+                </a:solidFill>
+                <a:latin typeface="Arial" panose="020B0604020202020204" pitchFamily="34" charset="0"/>
+              </a:rPr>
+              <a:t>// </a:t>
+            </a:r>
+            <a:r>
+              <a:rPr lang="en-US" altLang="zh-CN" sz="1200" dirty="0">
+                <a:solidFill>
+                  <a:schemeClr val="tx1">
+                    <a:lumMod val="50000"/>
+                    <a:lumOff val="50000"/>
+                  </a:schemeClr>
+                </a:solidFill>
+                <a:latin typeface="Arial" panose="020B0604020202020204" pitchFamily="34" charset="0"/>
+              </a:rPr>
+              <a:t>The message data</a:t>
+            </a:r>
+            <a:r>
+              <a:rPr lang="en-US" altLang="zh-CN" sz="1200" dirty="0" smtClean="0">
+                <a:solidFill>
+                  <a:schemeClr val="tx1">
+                    <a:lumMod val="50000"/>
+                    <a:lumOff val="50000"/>
+                  </a:schemeClr>
+                </a:solidFill>
+                <a:latin typeface="Arial" panose="020B0604020202020204" pitchFamily="34" charset="0"/>
+              </a:rPr>
+              <a:t>.</a:t>
+            </a:r>
+            <a:endParaRPr lang="en-US" altLang="zh-CN" sz="1200" dirty="0">
+              <a:solidFill>
+                <a:schemeClr val="tx1">
+                  <a:lumMod val="50000"/>
+                  <a:lumOff val="50000"/>
+                </a:schemeClr>
+              </a:solidFill>
+              <a:latin typeface="Arial" panose="020B0604020202020204" pitchFamily="34" charset="0"/>
+            </a:endParaRPr>
+          </a:p>
+          <a:p>
+            <a:pPr lvl="1" eaLnBrk="0" fontAlgn="base" hangingPunct="0">
+              <a:spcBef>
+                <a:spcPct val="0"/>
+              </a:spcBef>
+              <a:spcAft>
+                <a:spcPct val="0"/>
+              </a:spcAft>
+            </a:pPr>
+            <a:r>
+              <a:rPr lang="en-US" altLang="zh-CN" sz="1200" dirty="0">
+                <a:solidFill>
+                  <a:schemeClr val="tx1">
+                    <a:lumMod val="50000"/>
+                    <a:lumOff val="50000"/>
+                  </a:schemeClr>
+                </a:solidFill>
+                <a:latin typeface="Arial" panose="020B0604020202020204" pitchFamily="34" charset="0"/>
+              </a:rPr>
+              <a:t> </a:t>
+            </a:r>
+            <a:r>
+              <a:rPr lang="en-US" altLang="zh-CN" sz="1200" dirty="0" smtClean="0">
+                <a:solidFill>
+                  <a:schemeClr val="tx1">
+                    <a:lumMod val="50000"/>
+                    <a:lumOff val="50000"/>
+                  </a:schemeClr>
+                </a:solidFill>
+                <a:latin typeface="Arial" panose="020B0604020202020204" pitchFamily="34" charset="0"/>
+              </a:rPr>
+              <a:t>required </a:t>
+            </a:r>
+            <a:r>
+              <a:rPr lang="en-US" altLang="zh-CN" sz="1200" dirty="0">
+                <a:solidFill>
+                  <a:schemeClr val="tx1">
+                    <a:lumMod val="50000"/>
+                    <a:lumOff val="50000"/>
+                  </a:schemeClr>
+                </a:solidFill>
+                <a:latin typeface="Arial" panose="020B0604020202020204" pitchFamily="34" charset="0"/>
+              </a:rPr>
+              <a:t>bytes </a:t>
+            </a:r>
+            <a:r>
+              <a:rPr lang="en-US" altLang="zh-CN" sz="1200" dirty="0" err="1">
+                <a:solidFill>
+                  <a:schemeClr val="tx1">
+                    <a:lumMod val="50000"/>
+                    <a:lumOff val="50000"/>
+                  </a:schemeClr>
+                </a:solidFill>
+                <a:latin typeface="Arial" panose="020B0604020202020204" pitchFamily="34" charset="0"/>
+              </a:rPr>
+              <a:t>message_data</a:t>
+            </a:r>
+            <a:r>
+              <a:rPr lang="en-US" altLang="zh-CN" sz="1200" dirty="0">
+                <a:solidFill>
+                  <a:schemeClr val="tx1">
+                    <a:lumMod val="50000"/>
+                    <a:lumOff val="50000"/>
+                  </a:schemeClr>
+                </a:solidFill>
+                <a:latin typeface="Arial" panose="020B0604020202020204" pitchFamily="34" charset="0"/>
+              </a:rPr>
+              <a:t> = 3;</a:t>
+            </a:r>
+          </a:p>
+          <a:p>
+            <a:pPr lvl="0" eaLnBrk="0" fontAlgn="base" hangingPunct="0">
+              <a:spcBef>
+                <a:spcPct val="0"/>
+              </a:spcBef>
+              <a:spcAft>
+                <a:spcPct val="0"/>
+              </a:spcAft>
+            </a:pPr>
+            <a:r>
+              <a:rPr lang="en-US" altLang="zh-CN" sz="1200" dirty="0" smtClean="0">
+                <a:solidFill>
+                  <a:schemeClr val="tx1">
+                    <a:lumMod val="50000"/>
+                    <a:lumOff val="50000"/>
+                  </a:schemeClr>
+                </a:solidFill>
+                <a:latin typeface="Arial" panose="020B0604020202020204" pitchFamily="34" charset="0"/>
+              </a:rPr>
+              <a:t>     }</a:t>
+            </a:r>
+            <a:endParaRPr kumimoji="0" lang="zh-CN" altLang="zh-CN" sz="1200" b="0" i="0" u="none" strike="noStrike" cap="none" normalizeH="0" baseline="0" dirty="0" smtClean="0">
+              <a:ln>
+                <a:noFill/>
+              </a:ln>
+              <a:solidFill>
+                <a:schemeClr val="tx1">
+                  <a:lumMod val="50000"/>
+                  <a:lumOff val="50000"/>
+                </a:schemeClr>
+              </a:solidFill>
+              <a:effectLst/>
+              <a:latin typeface="Arial" panose="020B0604020202020204" pitchFamily="34" charset="0"/>
+            </a:endParaRPr>
+          </a:p>
+        </p:txBody>
+      </p:sp>
+      <p:sp>
+        <p:nvSpPr>
+          <p:cNvPr id="13" name="矩形 12"/>
+          <p:cNvSpPr/>
+          <p:nvPr/>
+        </p:nvSpPr>
+        <p:spPr>
+          <a:xfrm>
+            <a:off x="1468377" y="2188032"/>
+            <a:ext cx="1122423" cy="253916"/>
+          </a:xfrm>
+          <a:prstGeom prst="rect">
+            <a:avLst/>
+          </a:prstGeom>
+          <a:ln>
+            <a:solidFill>
+              <a:schemeClr val="tx1">
+                <a:lumMod val="50000"/>
+                <a:lumOff val="50000"/>
+              </a:schemeClr>
+            </a:solidFill>
+          </a:ln>
+        </p:spPr>
+        <p:txBody>
+          <a:bodyPr wrap="square">
+            <a:spAutoFit/>
+          </a:bodyPr>
+          <a:lstStyle/>
+          <a:p>
+            <a:r>
+              <a:rPr lang="en-US" altLang="zh-CN" sz="1050" dirty="0" err="1">
+                <a:solidFill>
+                  <a:srgbClr val="666666"/>
+                </a:solidFill>
+                <a:latin typeface="Arial" panose="020B0604020202020204" pitchFamily="34" charset="0"/>
+              </a:rPr>
+              <a:t>descriptor.proto</a:t>
+            </a:r>
+            <a:endParaRPr lang="zh-CN" altLang="en-US" sz="1050" dirty="0">
+              <a:solidFill>
+                <a:srgbClr val="666666"/>
+              </a:solidFill>
+              <a:latin typeface="Arial" panose="020B0604020202020204" pitchFamily="34" charset="0"/>
+            </a:endParaRPr>
+          </a:p>
+        </p:txBody>
+      </p:sp>
+      <p:cxnSp>
+        <p:nvCxnSpPr>
+          <p:cNvPr id="15" name="肘形连接符 14"/>
+          <p:cNvCxnSpPr>
+            <a:endCxn id="13" idx="2"/>
+          </p:cNvCxnSpPr>
+          <p:nvPr/>
+        </p:nvCxnSpPr>
+        <p:spPr>
+          <a:xfrm rot="16200000" flipV="1">
+            <a:off x="1708923" y="2762614"/>
+            <a:ext cx="735474" cy="94141"/>
+          </a:xfrm>
+          <a:prstGeom prst="bentConnector3">
+            <a:avLst>
+              <a:gd name="adj1" fmla="val 50000"/>
+            </a:avLst>
+          </a:prstGeom>
+          <a:ln w="12700">
+            <a:solidFill>
+              <a:schemeClr val="tx1">
+                <a:lumMod val="50000"/>
+                <a:lumOff val="50000"/>
+              </a:schemeClr>
+            </a:solidFill>
+            <a:prstDash val="lgDash"/>
+            <a:tailEnd type="triangle"/>
+          </a:ln>
+        </p:spPr>
+        <p:style>
+          <a:lnRef idx="1">
+            <a:schemeClr val="accent1"/>
+          </a:lnRef>
+          <a:fillRef idx="0">
+            <a:schemeClr val="accent1"/>
+          </a:fillRef>
+          <a:effectRef idx="0">
+            <a:schemeClr val="accent1"/>
+          </a:effectRef>
+          <a:fontRef idx="minor">
+            <a:schemeClr val="tx1"/>
+          </a:fontRef>
+        </p:style>
+      </p:cxnSp>
+      <p:sp>
+        <p:nvSpPr>
+          <p:cNvPr id="16" name="矩形 15"/>
+          <p:cNvSpPr/>
+          <p:nvPr/>
+        </p:nvSpPr>
+        <p:spPr>
+          <a:xfrm>
+            <a:off x="3601977" y="2188032"/>
+            <a:ext cx="4392488" cy="253916"/>
+          </a:xfrm>
+          <a:prstGeom prst="rect">
+            <a:avLst/>
+          </a:prstGeom>
+        </p:spPr>
+        <p:txBody>
+          <a:bodyPr wrap="square">
+            <a:spAutoFit/>
+          </a:bodyPr>
+          <a:lstStyle/>
+          <a:p>
+            <a:r>
+              <a:rPr lang="en-US" altLang="zh-CN" sz="1050" dirty="0" err="1">
+                <a:solidFill>
+                  <a:srgbClr val="666666"/>
+                </a:solidFill>
+                <a:latin typeface="Arial" panose="020B0604020202020204" pitchFamily="34" charset="0"/>
+              </a:rPr>
+              <a:t>protoc</a:t>
+            </a:r>
+            <a:r>
+              <a:rPr lang="en-US" altLang="zh-CN" sz="1050" dirty="0">
+                <a:solidFill>
+                  <a:srgbClr val="666666"/>
+                </a:solidFill>
+                <a:latin typeface="Arial" panose="020B0604020202020204" pitchFamily="34" charset="0"/>
+              </a:rPr>
+              <a:t> –</a:t>
+            </a:r>
+            <a:r>
+              <a:rPr lang="en-US" altLang="zh-CN" sz="1050" dirty="0" err="1">
+                <a:solidFill>
+                  <a:srgbClr val="666666"/>
+                </a:solidFill>
+                <a:latin typeface="Arial" panose="020B0604020202020204" pitchFamily="34" charset="0"/>
+              </a:rPr>
+              <a:t>cpp_out</a:t>
+            </a:r>
+            <a:r>
+              <a:rPr lang="en-US" altLang="zh-CN" sz="1050" dirty="0">
+                <a:solidFill>
+                  <a:srgbClr val="666666"/>
+                </a:solidFill>
+                <a:latin typeface="Arial" panose="020B0604020202020204" pitchFamily="34" charset="0"/>
+              </a:rPr>
+              <a:t>=. </a:t>
+            </a:r>
+            <a:r>
+              <a:rPr lang="en-US" altLang="zh-CN" sz="1050" b="1" dirty="0">
+                <a:solidFill>
+                  <a:srgbClr val="666666"/>
+                </a:solidFill>
+                <a:latin typeface="Arial" panose="020B0604020202020204" pitchFamily="34" charset="0"/>
+              </a:rPr>
+              <a:t>–</a:t>
+            </a:r>
+            <a:r>
+              <a:rPr lang="en-US" altLang="zh-CN" sz="1050" b="1" dirty="0" err="1">
+                <a:solidFill>
+                  <a:srgbClr val="666666"/>
+                </a:solidFill>
+                <a:latin typeface="Arial" panose="020B0604020202020204" pitchFamily="34" charset="0"/>
+              </a:rPr>
+              <a:t>descriptor_set_out</a:t>
+            </a:r>
+            <a:r>
+              <a:rPr lang="en-US" altLang="zh-CN" sz="1050" b="1" dirty="0">
+                <a:solidFill>
+                  <a:srgbClr val="666666"/>
+                </a:solidFill>
+                <a:latin typeface="Arial" panose="020B0604020202020204" pitchFamily="34" charset="0"/>
+              </a:rPr>
+              <a:t>=</a:t>
+            </a:r>
+            <a:r>
+              <a:rPr lang="en-US" altLang="zh-CN" sz="1050" b="1" dirty="0" err="1">
+                <a:solidFill>
+                  <a:srgbClr val="666666"/>
+                </a:solidFill>
+                <a:latin typeface="Arial" panose="020B0604020202020204" pitchFamily="34" charset="0"/>
+              </a:rPr>
+              <a:t>desc.set</a:t>
+            </a:r>
+            <a:r>
+              <a:rPr lang="en-US" altLang="zh-CN" sz="1050" dirty="0">
+                <a:solidFill>
+                  <a:srgbClr val="666666"/>
+                </a:solidFill>
+                <a:latin typeface="Arial" panose="020B0604020202020204" pitchFamily="34" charset="0"/>
+              </a:rPr>
+              <a:t> </a:t>
+            </a:r>
+            <a:r>
+              <a:rPr lang="en-US" altLang="zh-CN" sz="1050" dirty="0" err="1">
+                <a:solidFill>
+                  <a:srgbClr val="666666"/>
+                </a:solidFill>
+                <a:latin typeface="Arial" panose="020B0604020202020204" pitchFamily="34" charset="0"/>
+              </a:rPr>
+              <a:t>addressbook.proto</a:t>
+            </a:r>
+            <a:endParaRPr lang="zh-CN" altLang="en-US" sz="1050" dirty="0"/>
+          </a:p>
+        </p:txBody>
+      </p:sp>
+      <p:cxnSp>
+        <p:nvCxnSpPr>
+          <p:cNvPr id="19" name="肘形连接符 18"/>
+          <p:cNvCxnSpPr>
+            <a:stCxn id="16" idx="2"/>
+          </p:cNvCxnSpPr>
+          <p:nvPr/>
+        </p:nvCxnSpPr>
+        <p:spPr>
+          <a:xfrm rot="5400000">
+            <a:off x="5026985" y="2406184"/>
+            <a:ext cx="735473" cy="807001"/>
+          </a:xfrm>
+          <a:prstGeom prst="bentConnector2">
+            <a:avLst/>
+          </a:prstGeom>
+          <a:ln w="12700">
+            <a:solidFill>
+              <a:schemeClr val="tx1">
+                <a:lumMod val="50000"/>
+                <a:lumOff val="50000"/>
+              </a:schemeClr>
+            </a:solidFill>
+            <a:prstDash val="lgDash"/>
+            <a:tailEnd type="triangle"/>
+          </a:ln>
+        </p:spPr>
+        <p:style>
+          <a:lnRef idx="1">
+            <a:schemeClr val="accent1"/>
+          </a:lnRef>
+          <a:fillRef idx="0">
+            <a:schemeClr val="accent1"/>
+          </a:fillRef>
+          <a:effectRef idx="0">
+            <a:schemeClr val="accent1"/>
+          </a:effectRef>
+          <a:fontRef idx="minor">
+            <a:schemeClr val="tx1"/>
+          </a:fontRef>
+        </p:style>
+      </p:cxnSp>
+      <p:sp>
+        <p:nvSpPr>
+          <p:cNvPr id="24" name="文本框 23"/>
+          <p:cNvSpPr txBox="1"/>
+          <p:nvPr/>
+        </p:nvSpPr>
+        <p:spPr>
+          <a:xfrm>
+            <a:off x="1671513" y="2447538"/>
+            <a:ext cx="364202" cy="307777"/>
+          </a:xfrm>
+          <a:prstGeom prst="rect">
+            <a:avLst/>
+          </a:prstGeom>
+          <a:noFill/>
+        </p:spPr>
+        <p:txBody>
+          <a:bodyPr wrap="none" rtlCol="0">
+            <a:spAutoFit/>
+          </a:bodyPr>
+          <a:lstStyle/>
+          <a:p>
+            <a:r>
+              <a:rPr lang="zh-CN" altLang="en-US" sz="1400" dirty="0">
+                <a:latin typeface="Calibri" panose="020F0502020204030204" pitchFamily="34" charset="0"/>
+              </a:rPr>
+              <a:t>①</a:t>
+            </a:r>
+            <a:endParaRPr lang="zh-CN" altLang="en-US" dirty="0"/>
+          </a:p>
+        </p:txBody>
+      </p:sp>
+      <p:sp>
+        <p:nvSpPr>
+          <p:cNvPr id="25" name="矩形 24"/>
+          <p:cNvSpPr/>
+          <p:nvPr/>
+        </p:nvSpPr>
+        <p:spPr>
+          <a:xfrm>
+            <a:off x="3334512" y="2160017"/>
+            <a:ext cx="364202" cy="307777"/>
+          </a:xfrm>
+          <a:prstGeom prst="rect">
+            <a:avLst/>
+          </a:prstGeom>
+        </p:spPr>
+        <p:txBody>
+          <a:bodyPr wrap="none">
+            <a:spAutoFit/>
+          </a:bodyPr>
+          <a:lstStyle/>
+          <a:p>
+            <a:r>
+              <a:rPr lang="zh-CN" altLang="en-US" sz="1400" dirty="0">
+                <a:latin typeface="Calibri" panose="020F0502020204030204" pitchFamily="34" charset="0"/>
+              </a:rPr>
+              <a:t>②</a:t>
+            </a:r>
+            <a:endParaRPr lang="zh-CN" altLang="en-US" sz="1400" dirty="0"/>
+          </a:p>
+        </p:txBody>
+      </p:sp>
+      <p:sp>
+        <p:nvSpPr>
+          <p:cNvPr id="27" name="矩形 26"/>
+          <p:cNvSpPr/>
+          <p:nvPr/>
+        </p:nvSpPr>
+        <p:spPr>
+          <a:xfrm>
+            <a:off x="5436096" y="2816870"/>
+            <a:ext cx="364202" cy="307777"/>
+          </a:xfrm>
+          <a:prstGeom prst="rect">
+            <a:avLst/>
+          </a:prstGeom>
+        </p:spPr>
+        <p:txBody>
+          <a:bodyPr wrap="none">
+            <a:spAutoFit/>
+          </a:bodyPr>
+          <a:lstStyle/>
+          <a:p>
+            <a:r>
+              <a:rPr lang="zh-CN" altLang="en-US" sz="1400" dirty="0">
+                <a:latin typeface="Calibri" panose="020F0502020204030204" pitchFamily="34" charset="0"/>
+              </a:rPr>
+              <a:t>③</a:t>
+            </a:r>
+            <a:endParaRPr lang="zh-CN" altLang="en-US" sz="1400" dirty="0"/>
+          </a:p>
+        </p:txBody>
+      </p:sp>
+      <p:sp>
+        <p:nvSpPr>
+          <p:cNvPr id="28" name="矩形 27"/>
+          <p:cNvSpPr/>
+          <p:nvPr/>
+        </p:nvSpPr>
+        <p:spPr>
+          <a:xfrm>
+            <a:off x="1467651" y="4849415"/>
+            <a:ext cx="6828992" cy="307777"/>
+          </a:xfrm>
+          <a:prstGeom prst="rect">
+            <a:avLst/>
+          </a:prstGeom>
+        </p:spPr>
+        <p:txBody>
+          <a:bodyPr wrap="square">
+            <a:spAutoFit/>
+          </a:bodyPr>
+          <a:lstStyle/>
+          <a:p>
+            <a:r>
+              <a:rPr lang="zh-CN" altLang="en-US" sz="1400" dirty="0" smtClean="0">
+                <a:solidFill>
+                  <a:srgbClr val="666666"/>
+                </a:solidFill>
+                <a:latin typeface="Calibri" panose="020F0502020204030204" pitchFamily="34" charset="0"/>
+              </a:rPr>
+              <a:t>④</a:t>
+            </a:r>
+            <a:r>
+              <a:rPr lang="zh-CN" altLang="en-US" sz="1400" dirty="0" smtClean="0">
+                <a:solidFill>
+                  <a:srgbClr val="666666"/>
+                </a:solidFill>
+                <a:latin typeface="Arial" panose="020B0604020202020204" pitchFamily="34" charset="0"/>
+              </a:rPr>
+              <a:t>反</a:t>
+            </a:r>
+            <a:r>
+              <a:rPr lang="zh-CN" altLang="en-US" sz="1400" dirty="0">
+                <a:solidFill>
+                  <a:srgbClr val="666666"/>
+                </a:solidFill>
+                <a:latin typeface="Arial" panose="020B0604020202020204" pitchFamily="34" charset="0"/>
+              </a:rPr>
+              <a:t>序列化</a:t>
+            </a:r>
+            <a:r>
+              <a:rPr lang="en-US" altLang="zh-CN" sz="1400" dirty="0" err="1">
+                <a:solidFill>
+                  <a:srgbClr val="666666"/>
+                </a:solidFill>
+                <a:latin typeface="Arial" panose="020B0604020202020204" pitchFamily="34" charset="0"/>
+              </a:rPr>
+              <a:t>SelfDescribingMessage</a:t>
+            </a:r>
+            <a:endParaRPr lang="zh-CN" altLang="en-US" sz="1400" dirty="0"/>
+          </a:p>
+        </p:txBody>
+      </p:sp>
+      <p:sp>
+        <p:nvSpPr>
+          <p:cNvPr id="29" name="矩形 28"/>
+          <p:cNvSpPr/>
+          <p:nvPr/>
+        </p:nvSpPr>
+        <p:spPr>
+          <a:xfrm>
+            <a:off x="1467651" y="5229200"/>
+            <a:ext cx="6828992" cy="523220"/>
+          </a:xfrm>
+          <a:prstGeom prst="rect">
+            <a:avLst/>
+          </a:prstGeom>
+        </p:spPr>
+        <p:txBody>
+          <a:bodyPr wrap="square">
+            <a:spAutoFit/>
+          </a:bodyPr>
+          <a:lstStyle/>
+          <a:p>
+            <a:r>
+              <a:rPr lang="zh-CN" altLang="en-US" sz="1400" dirty="0" smtClean="0">
+                <a:solidFill>
+                  <a:srgbClr val="666666"/>
+                </a:solidFill>
+                <a:latin typeface="Calibri" panose="020F0502020204030204" pitchFamily="34" charset="0"/>
+              </a:rPr>
+              <a:t>⑤</a:t>
+            </a:r>
+            <a:r>
+              <a:rPr lang="zh-CN" altLang="en-US" sz="1400" dirty="0" smtClean="0">
+                <a:solidFill>
+                  <a:srgbClr val="666666"/>
+                </a:solidFill>
+                <a:latin typeface="Arial" panose="020B0604020202020204" pitchFamily="34" charset="0"/>
+              </a:rPr>
+              <a:t>通过</a:t>
+            </a:r>
+            <a:r>
+              <a:rPr lang="zh-CN" altLang="en-US" sz="1400" dirty="0">
+                <a:solidFill>
+                  <a:srgbClr val="666666"/>
+                </a:solidFill>
+                <a:latin typeface="Arial" panose="020B0604020202020204" pitchFamily="34" charset="0"/>
+              </a:rPr>
+              <a:t>第一个字段得到</a:t>
+            </a:r>
+            <a:r>
+              <a:rPr lang="en-US" altLang="zh-CN" sz="1400" dirty="0" err="1">
+                <a:solidFill>
+                  <a:srgbClr val="666666"/>
+                </a:solidFill>
+                <a:latin typeface="Arial" panose="020B0604020202020204" pitchFamily="34" charset="0"/>
+              </a:rPr>
+              <a:t>FileDescriptorSet</a:t>
+            </a:r>
+            <a:r>
+              <a:rPr lang="zh-CN" altLang="en-US" sz="1400" dirty="0">
+                <a:solidFill>
+                  <a:srgbClr val="666666"/>
+                </a:solidFill>
+                <a:latin typeface="Arial" panose="020B0604020202020204" pitchFamily="34" charset="0"/>
+              </a:rPr>
+              <a:t>，通过第二个字段取得消息的类型名，使用</a:t>
+            </a:r>
+            <a:r>
+              <a:rPr lang="en-US" altLang="zh-CN" sz="1400" dirty="0" err="1">
+                <a:solidFill>
+                  <a:srgbClr val="666666"/>
+                </a:solidFill>
+                <a:latin typeface="Arial" panose="020B0604020202020204" pitchFamily="34" charset="0"/>
+              </a:rPr>
+              <a:t>DescriptorPool</a:t>
+            </a:r>
+            <a:r>
+              <a:rPr lang="zh-CN" altLang="en-US" sz="1400" dirty="0">
+                <a:solidFill>
+                  <a:srgbClr val="666666"/>
+                </a:solidFill>
+                <a:latin typeface="Arial" panose="020B0604020202020204" pitchFamily="34" charset="0"/>
+              </a:rPr>
+              <a:t>得到</a:t>
+            </a:r>
+            <a:r>
+              <a:rPr lang="en-US" altLang="zh-CN" sz="1400" dirty="0">
+                <a:solidFill>
+                  <a:srgbClr val="666666"/>
+                </a:solidFill>
+                <a:latin typeface="Arial" panose="020B0604020202020204" pitchFamily="34" charset="0"/>
+              </a:rPr>
+              <a:t>payload message</a:t>
+            </a:r>
+            <a:r>
+              <a:rPr lang="zh-CN" altLang="en-US" sz="1400" dirty="0">
+                <a:solidFill>
+                  <a:srgbClr val="666666"/>
+                </a:solidFill>
+                <a:latin typeface="Arial" panose="020B0604020202020204" pitchFamily="34" charset="0"/>
+              </a:rPr>
+              <a:t>的类型信息</a:t>
+            </a:r>
+            <a:r>
+              <a:rPr lang="en-US" altLang="zh-CN" sz="1400" dirty="0">
+                <a:solidFill>
+                  <a:srgbClr val="666666"/>
+                </a:solidFill>
+                <a:latin typeface="Arial" panose="020B0604020202020204" pitchFamily="34" charset="0"/>
+              </a:rPr>
+              <a:t>Descriptor</a:t>
+            </a:r>
+            <a:endParaRPr lang="zh-CN" altLang="en-US" sz="1400" dirty="0"/>
+          </a:p>
+        </p:txBody>
+      </p:sp>
+      <p:sp>
+        <p:nvSpPr>
+          <p:cNvPr id="30" name="矩形 29"/>
+          <p:cNvSpPr/>
+          <p:nvPr/>
+        </p:nvSpPr>
+        <p:spPr>
+          <a:xfrm>
+            <a:off x="1467651" y="5805264"/>
+            <a:ext cx="6828992" cy="523220"/>
+          </a:xfrm>
+          <a:prstGeom prst="rect">
+            <a:avLst/>
+          </a:prstGeom>
+        </p:spPr>
+        <p:txBody>
+          <a:bodyPr wrap="square">
+            <a:spAutoFit/>
+          </a:bodyPr>
+          <a:lstStyle/>
+          <a:p>
+            <a:r>
+              <a:rPr lang="zh-CN" altLang="en-US" sz="1400" dirty="0" smtClean="0">
+                <a:solidFill>
+                  <a:srgbClr val="666666"/>
+                </a:solidFill>
+                <a:latin typeface="Calibri" panose="020F0502020204030204" pitchFamily="34" charset="0"/>
+              </a:rPr>
+              <a:t>⑥</a:t>
+            </a:r>
+            <a:r>
+              <a:rPr lang="zh-CN" altLang="en-US" sz="1400" dirty="0" smtClean="0">
+                <a:solidFill>
+                  <a:srgbClr val="666666"/>
+                </a:solidFill>
+                <a:latin typeface="Arial" panose="020B0604020202020204" pitchFamily="34" charset="0"/>
+              </a:rPr>
+              <a:t>使用</a:t>
+            </a:r>
+            <a:r>
+              <a:rPr lang="en-US" altLang="zh-CN" sz="1400" dirty="0" err="1">
+                <a:solidFill>
+                  <a:srgbClr val="666666"/>
+                </a:solidFill>
+                <a:latin typeface="Arial" panose="020B0604020202020204" pitchFamily="34" charset="0"/>
+              </a:rPr>
+              <a:t>DynamicMessage</a:t>
+            </a:r>
+            <a:r>
+              <a:rPr lang="en-US" altLang="zh-CN" sz="1400" dirty="0">
+                <a:solidFill>
+                  <a:srgbClr val="666666"/>
+                </a:solidFill>
+                <a:latin typeface="Arial" panose="020B0604020202020204" pitchFamily="34" charset="0"/>
+              </a:rPr>
+              <a:t> new</a:t>
+            </a:r>
+            <a:r>
+              <a:rPr lang="zh-CN" altLang="en-US" sz="1400" dirty="0">
+                <a:solidFill>
+                  <a:srgbClr val="666666"/>
+                </a:solidFill>
+                <a:latin typeface="Arial" panose="020B0604020202020204" pitchFamily="34" charset="0"/>
+              </a:rPr>
+              <a:t>出这个类型的一个空对象，从第三个字段反序列化得到原来的</a:t>
+            </a:r>
+            <a:r>
+              <a:rPr lang="en-US" altLang="zh-CN" sz="1400" dirty="0">
+                <a:solidFill>
+                  <a:srgbClr val="666666"/>
+                </a:solidFill>
+                <a:latin typeface="Arial" panose="020B0604020202020204" pitchFamily="34" charset="0"/>
+              </a:rPr>
+              <a:t>message</a:t>
+            </a:r>
+            <a:r>
+              <a:rPr lang="zh-CN" altLang="en-US" sz="1400" dirty="0">
+                <a:solidFill>
+                  <a:srgbClr val="666666"/>
+                </a:solidFill>
+                <a:latin typeface="Arial" panose="020B0604020202020204" pitchFamily="34" charset="0"/>
+              </a:rPr>
+              <a:t>对象</a:t>
+            </a:r>
+            <a:endParaRPr lang="zh-CN" altLang="en-US" sz="1400" dirty="0"/>
+          </a:p>
+        </p:txBody>
+      </p:sp>
+    </p:spTree>
+    <p:extLst>
+      <p:ext uri="{BB962C8B-B14F-4D97-AF65-F5344CB8AC3E}">
+        <p14:creationId xmlns:p14="http://schemas.microsoft.com/office/powerpoint/2010/main" val="499159251"/>
+      </p:ext>
+    </p:extLst>
+  </p:cSld>
+  <p:clrMapOvr>
+    <a:masterClrMapping/>
+  </p:clrMapOvr>
+  <p:timing>
+    <p:tnLst>
+      <p:par>
+        <p:cTn id="1" dur="indefinite" restart="never" nodeType="tmRoot"/>
+      </p:par>
+    </p:tnLst>
+  </p:timing>
+</p:sld>
+</file>
+
+<file path=ppt/slides/slide17.xml><?xml version="1.0" encoding="utf-8"?>
+<p:sld xmlns:a="http://schemas.openxmlformats.org/drawingml/2006/main" xmlns:r="http://schemas.openxmlformats.org/officeDocument/2006/relationships" xmlns:p="http://schemas.openxmlformats.org/presentationml/2006/main">
+  <p:cSld>
+    <p:spTree>
+      <p:nvGrpSpPr>
+        <p:cNvPr id="1" name=""/>
+        <p:cNvGrpSpPr/>
+        <p:nvPr/>
+      </p:nvGrpSpPr>
+      <p:grpSpPr>
+        <a:xfrm>
+          <a:off x="0" y="0"/>
+          <a:ext cx="0" cy="0"/>
+          <a:chOff x="0" y="0"/>
+          <a:chExt cx="0" cy="0"/>
+        </a:xfrm>
+      </p:grpSpPr>
+      <p:sp>
+        <p:nvSpPr>
+          <p:cNvPr id="2" name="标题 1"/>
+          <p:cNvSpPr>
+            <a:spLocks noGrp="1"/>
+          </p:cNvSpPr>
+          <p:nvPr>
+            <p:ph type="title"/>
+          </p:nvPr>
+        </p:nvSpPr>
+        <p:spPr/>
+        <p:txBody>
+          <a:bodyPr/>
+          <a:lstStyle/>
+          <a:p>
+            <a:r>
+              <a:rPr lang="zh-CN" altLang="en-US" dirty="0" smtClean="0"/>
+              <a:t>扩展实例</a:t>
+            </a:r>
+            <a:r>
+              <a:rPr lang="en-US" altLang="zh-CN" dirty="0" smtClean="0"/>
+              <a:t>2</a:t>
+            </a:r>
+            <a:endParaRPr lang="zh-CN" altLang="en-US" dirty="0"/>
+          </a:p>
+        </p:txBody>
+      </p:sp>
+      <p:sp>
+        <p:nvSpPr>
+          <p:cNvPr id="3" name="内容占位符 2"/>
+          <p:cNvSpPr>
+            <a:spLocks noGrp="1"/>
+          </p:cNvSpPr>
+          <p:nvPr>
+            <p:ph idx="1"/>
+          </p:nvPr>
+        </p:nvSpPr>
+        <p:spPr/>
+        <p:txBody>
+          <a:bodyPr/>
+          <a:lstStyle/>
+          <a:p>
+            <a:r>
+              <a:rPr lang="zh-CN" altLang="en-US" dirty="0" smtClean="0"/>
+              <a:t>动态消息</a:t>
+            </a:r>
+            <a:r>
+              <a:rPr lang="zh-CN" altLang="en-US" sz="1800" dirty="0" smtClean="0"/>
+              <a:t>（生产者对消息描述的解耦）</a:t>
+            </a:r>
+            <a:endParaRPr lang="zh-CN" altLang="en-US" sz="1800" dirty="0"/>
+          </a:p>
+        </p:txBody>
+      </p:sp>
+      <p:sp>
+        <p:nvSpPr>
+          <p:cNvPr id="4" name="日期占位符 3"/>
+          <p:cNvSpPr>
+            <a:spLocks noGrp="1"/>
+          </p:cNvSpPr>
+          <p:nvPr>
+            <p:ph type="dt" sz="half" idx="10"/>
+          </p:nvPr>
+        </p:nvSpPr>
+        <p:spPr/>
+        <p:txBody>
+          <a:bodyPr/>
+          <a:lstStyle/>
+          <a:p>
+            <a:r>
+              <a:rPr lang="en-US" altLang="zh-CN" smtClean="0"/>
+              <a:t>2016-04-28</a:t>
+            </a:r>
+            <a:endParaRPr lang="zh-CN" altLang="en-US" dirty="0"/>
+          </a:p>
+        </p:txBody>
+      </p:sp>
+      <p:sp>
+        <p:nvSpPr>
+          <p:cNvPr id="5" name="页脚占位符 4"/>
+          <p:cNvSpPr>
+            <a:spLocks noGrp="1"/>
+          </p:cNvSpPr>
+          <p:nvPr>
+            <p:ph type="ftr" sz="quarter" idx="11"/>
+          </p:nvPr>
+        </p:nvSpPr>
+        <p:spPr/>
+        <p:txBody>
+          <a:bodyPr/>
+          <a:lstStyle/>
+          <a:p>
+            <a:r>
+              <a:rPr lang="zh-CN" altLang="en-US" smtClean="0"/>
+              <a:t>平安付基础架构中间件组</a:t>
+            </a:r>
+            <a:endParaRPr lang="zh-CN" altLang="en-US" dirty="0"/>
+          </a:p>
+        </p:txBody>
+      </p:sp>
+      <p:sp>
+        <p:nvSpPr>
+          <p:cNvPr id="6" name="灯片编号占位符 5"/>
+          <p:cNvSpPr>
+            <a:spLocks noGrp="1"/>
+          </p:cNvSpPr>
+          <p:nvPr>
+            <p:ph type="sldNum" sz="quarter" idx="12"/>
+          </p:nvPr>
+        </p:nvSpPr>
+        <p:spPr/>
+        <p:txBody>
+          <a:bodyPr/>
+          <a:lstStyle/>
+          <a:p>
+            <a:fld id="{0C913308-F349-4B6D-A68A-DD1791B4A57B}" type="slidenum">
+              <a:rPr lang="zh-CN" altLang="en-US" smtClean="0"/>
+              <a:pPr/>
+              <a:t>17</a:t>
+            </a:fld>
+            <a:endParaRPr lang="zh-CN" altLang="en-US"/>
+          </a:p>
+        </p:txBody>
+      </p:sp>
+      <p:pic>
+        <p:nvPicPr>
+          <p:cNvPr id="9" name="图片 8"/>
+          <p:cNvPicPr>
+            <a:picLocks noChangeAspect="1"/>
+          </p:cNvPicPr>
+          <p:nvPr/>
+        </p:nvPicPr>
+        <p:blipFill>
+          <a:blip r:embed="rId2"/>
+          <a:stretch>
+            <a:fillRect/>
+          </a:stretch>
+        </p:blipFill>
+        <p:spPr>
+          <a:xfrm>
+            <a:off x="4644553" y="2163677"/>
+            <a:ext cx="4103911" cy="4192673"/>
+          </a:xfrm>
+          <a:prstGeom prst="rect">
+            <a:avLst/>
+          </a:prstGeom>
+        </p:spPr>
+      </p:pic>
+      <p:sp>
+        <p:nvSpPr>
+          <p:cNvPr id="10" name="矩形 9"/>
+          <p:cNvSpPr/>
+          <p:nvPr/>
+        </p:nvSpPr>
+        <p:spPr>
+          <a:xfrm>
+            <a:off x="640176" y="2564904"/>
+            <a:ext cx="3960440" cy="523220"/>
+          </a:xfrm>
+          <a:prstGeom prst="rect">
+            <a:avLst/>
+          </a:prstGeom>
+        </p:spPr>
+        <p:txBody>
+          <a:bodyPr wrap="square">
+            <a:spAutoFit/>
+          </a:bodyPr>
+          <a:lstStyle/>
+          <a:p>
+            <a:r>
+              <a:rPr lang="zh-CN" altLang="en-US" sz="1400" dirty="0" smtClean="0">
+                <a:solidFill>
+                  <a:srgbClr val="666666"/>
+                </a:solidFill>
+                <a:latin typeface="Calibri" panose="020F0502020204030204" pitchFamily="34" charset="0"/>
+              </a:rPr>
+              <a:t>①通过</a:t>
+            </a:r>
+            <a:r>
+              <a:rPr lang="en-US" altLang="zh-CN" sz="1400" dirty="0" smtClean="0">
+                <a:solidFill>
+                  <a:srgbClr val="666666"/>
+                </a:solidFill>
+                <a:latin typeface="Calibri" panose="020F0502020204030204" pitchFamily="34" charset="0"/>
+              </a:rPr>
+              <a:t>google::</a:t>
+            </a:r>
+            <a:r>
+              <a:rPr lang="en-US" altLang="zh-CN" sz="1400" dirty="0" err="1" smtClean="0">
+                <a:solidFill>
+                  <a:srgbClr val="666666"/>
+                </a:solidFill>
+                <a:latin typeface="Calibri" panose="020F0502020204030204" pitchFamily="34" charset="0"/>
+              </a:rPr>
+              <a:t>protobuf</a:t>
+            </a:r>
+            <a:r>
+              <a:rPr lang="en-US" altLang="zh-CN" sz="1400" dirty="0" smtClean="0">
+                <a:solidFill>
+                  <a:srgbClr val="666666"/>
+                </a:solidFill>
+                <a:latin typeface="Calibri" panose="020F0502020204030204" pitchFamily="34" charset="0"/>
+              </a:rPr>
+              <a:t>::compiler</a:t>
+            </a:r>
+            <a:r>
+              <a:rPr lang="zh-CN" altLang="en-US" sz="1400" dirty="0" smtClean="0">
+                <a:solidFill>
+                  <a:srgbClr val="666666"/>
+                </a:solidFill>
+                <a:latin typeface="Calibri" panose="020F0502020204030204" pitchFamily="34" charset="0"/>
+              </a:rPr>
+              <a:t>包的</a:t>
+            </a:r>
+            <a:r>
+              <a:rPr lang="en-US" altLang="zh-CN" sz="1400" dirty="0" smtClean="0">
+                <a:solidFill>
+                  <a:srgbClr val="666666"/>
+                </a:solidFill>
+                <a:latin typeface="Calibri" panose="020F0502020204030204" pitchFamily="34" charset="0"/>
+              </a:rPr>
+              <a:t>Importer</a:t>
+            </a:r>
+            <a:r>
+              <a:rPr lang="zh-CN" altLang="en-US" sz="1400" dirty="0" smtClean="0">
+                <a:solidFill>
+                  <a:srgbClr val="666666"/>
+                </a:solidFill>
+                <a:latin typeface="Calibri" panose="020F0502020204030204" pitchFamily="34" charset="0"/>
+              </a:rPr>
+              <a:t>类动态编译指定</a:t>
+            </a:r>
+            <a:r>
+              <a:rPr lang="en-US" altLang="zh-CN" sz="1400" dirty="0" smtClean="0">
+                <a:solidFill>
+                  <a:srgbClr val="666666"/>
+                </a:solidFill>
+                <a:latin typeface="Calibri" panose="020F0502020204030204" pitchFamily="34" charset="0"/>
+              </a:rPr>
+              <a:t>.proto</a:t>
+            </a:r>
+            <a:r>
+              <a:rPr lang="zh-CN" altLang="en-US" sz="1400" dirty="0" smtClean="0">
+                <a:solidFill>
+                  <a:srgbClr val="666666"/>
+                </a:solidFill>
+                <a:latin typeface="Calibri" panose="020F0502020204030204" pitchFamily="34" charset="0"/>
+              </a:rPr>
+              <a:t>文件</a:t>
+            </a:r>
+            <a:endParaRPr lang="zh-CN" altLang="en-US" sz="1400" dirty="0"/>
+          </a:p>
+        </p:txBody>
+      </p:sp>
+      <p:sp>
+        <p:nvSpPr>
+          <p:cNvPr id="11" name="矩形 10"/>
+          <p:cNvSpPr/>
+          <p:nvPr/>
+        </p:nvSpPr>
+        <p:spPr>
+          <a:xfrm>
+            <a:off x="640176" y="3244044"/>
+            <a:ext cx="3960440" cy="523220"/>
+          </a:xfrm>
+          <a:prstGeom prst="rect">
+            <a:avLst/>
+          </a:prstGeom>
+        </p:spPr>
+        <p:txBody>
+          <a:bodyPr wrap="square">
+            <a:spAutoFit/>
+          </a:bodyPr>
+          <a:lstStyle/>
+          <a:p>
+            <a:r>
+              <a:rPr lang="zh-CN" altLang="en-US" sz="1400" dirty="0">
+                <a:solidFill>
+                  <a:srgbClr val="666666"/>
+                </a:solidFill>
+                <a:latin typeface="Calibri" panose="020F0502020204030204" pitchFamily="34" charset="0"/>
+              </a:rPr>
+              <a:t>②</a:t>
+            </a:r>
+            <a:r>
+              <a:rPr lang="zh-CN" altLang="en-US" sz="1400" dirty="0" smtClean="0">
+                <a:solidFill>
+                  <a:srgbClr val="666666"/>
+                </a:solidFill>
+                <a:latin typeface="Calibri" panose="020F0502020204030204" pitchFamily="34" charset="0"/>
+              </a:rPr>
+              <a:t>通过</a:t>
+            </a:r>
+            <a:r>
+              <a:rPr lang="zh-CN" altLang="en-US" sz="1400" dirty="0" smtClean="0">
+                <a:solidFill>
+                  <a:srgbClr val="666666"/>
+                </a:solidFill>
+                <a:latin typeface="Calibri" panose="020F0502020204030204" pitchFamily="34" charset="0"/>
+              </a:rPr>
+              <a:t>编译池找到动态编译出的类型消息</a:t>
+            </a:r>
+            <a:r>
+              <a:rPr lang="en-US" altLang="zh-CN" sz="1400" dirty="0" smtClean="0">
+                <a:solidFill>
+                  <a:srgbClr val="666666"/>
+                </a:solidFill>
+                <a:latin typeface="Calibri" panose="020F0502020204030204" pitchFamily="34" charset="0"/>
+              </a:rPr>
+              <a:t>Descriptor</a:t>
+            </a:r>
+            <a:endParaRPr lang="zh-CN" altLang="en-US" sz="1400" dirty="0"/>
+          </a:p>
+        </p:txBody>
+      </p:sp>
+      <p:sp>
+        <p:nvSpPr>
+          <p:cNvPr id="12" name="矩形 11"/>
+          <p:cNvSpPr/>
+          <p:nvPr/>
+        </p:nvSpPr>
+        <p:spPr>
+          <a:xfrm>
+            <a:off x="640176" y="3923184"/>
+            <a:ext cx="3960440" cy="523220"/>
+          </a:xfrm>
+          <a:prstGeom prst="rect">
+            <a:avLst/>
+          </a:prstGeom>
+        </p:spPr>
+        <p:txBody>
+          <a:bodyPr wrap="square">
+            <a:spAutoFit/>
+          </a:bodyPr>
+          <a:lstStyle/>
+          <a:p>
+            <a:r>
+              <a:rPr lang="zh-CN" altLang="en-US" sz="1400" dirty="0" smtClean="0">
+                <a:solidFill>
+                  <a:srgbClr val="666666"/>
+                </a:solidFill>
+                <a:latin typeface="Calibri" panose="020F0502020204030204" pitchFamily="34" charset="0"/>
+              </a:rPr>
+              <a:t>③</a:t>
+            </a:r>
+            <a:r>
+              <a:rPr lang="zh-CN" altLang="en-US" sz="1400" dirty="0">
+                <a:solidFill>
+                  <a:srgbClr val="666666"/>
+                </a:solidFill>
+                <a:latin typeface="Calibri" panose="020F0502020204030204" pitchFamily="34" charset="0"/>
+              </a:rPr>
+              <a:t>根据类型信息使用</a:t>
+            </a:r>
+            <a:r>
+              <a:rPr lang="en-US" altLang="zh-CN" sz="1400" dirty="0" err="1">
+                <a:solidFill>
+                  <a:srgbClr val="666666"/>
+                </a:solidFill>
+                <a:latin typeface="Calibri" panose="020F0502020204030204" pitchFamily="34" charset="0"/>
+              </a:rPr>
+              <a:t>DynamicMessage</a:t>
+            </a:r>
+            <a:r>
+              <a:rPr lang="en-US" altLang="zh-CN" sz="1400" dirty="0">
+                <a:solidFill>
+                  <a:srgbClr val="666666"/>
+                </a:solidFill>
+                <a:latin typeface="Calibri" panose="020F0502020204030204" pitchFamily="34" charset="0"/>
+              </a:rPr>
+              <a:t> new</a:t>
+            </a:r>
+            <a:r>
+              <a:rPr lang="zh-CN" altLang="en-US" sz="1400" dirty="0">
+                <a:solidFill>
+                  <a:srgbClr val="666666"/>
+                </a:solidFill>
+                <a:latin typeface="Calibri" panose="020F0502020204030204" pitchFamily="34" charset="0"/>
+              </a:rPr>
+              <a:t>出这个类型的一个空对象</a:t>
+            </a:r>
+          </a:p>
+        </p:txBody>
+      </p:sp>
+      <p:sp>
+        <p:nvSpPr>
+          <p:cNvPr id="13" name="矩形 12"/>
+          <p:cNvSpPr/>
+          <p:nvPr/>
+        </p:nvSpPr>
+        <p:spPr>
+          <a:xfrm>
+            <a:off x="640176" y="4602324"/>
+            <a:ext cx="3960440" cy="523220"/>
+          </a:xfrm>
+          <a:prstGeom prst="rect">
+            <a:avLst/>
+          </a:prstGeom>
+        </p:spPr>
+        <p:txBody>
+          <a:bodyPr wrap="square">
+            <a:spAutoFit/>
+          </a:bodyPr>
+          <a:lstStyle/>
+          <a:p>
+            <a:r>
+              <a:rPr lang="zh-CN" altLang="en-US" sz="1400" dirty="0" smtClean="0">
+                <a:solidFill>
+                  <a:srgbClr val="666666"/>
+                </a:solidFill>
+                <a:latin typeface="Calibri" panose="020F0502020204030204" pitchFamily="34" charset="0"/>
+              </a:rPr>
+              <a:t>④</a:t>
+            </a:r>
+            <a:r>
+              <a:rPr lang="zh-CN" altLang="en-US" sz="1400" dirty="0">
+                <a:solidFill>
+                  <a:srgbClr val="666666"/>
+                </a:solidFill>
+                <a:latin typeface="Calibri" panose="020F0502020204030204" pitchFamily="34" charset="0"/>
+              </a:rPr>
+              <a:t>通过</a:t>
+            </a:r>
+            <a:r>
+              <a:rPr lang="en-US" altLang="zh-CN" sz="1400" dirty="0">
+                <a:solidFill>
+                  <a:srgbClr val="666666"/>
+                </a:solidFill>
+                <a:latin typeface="Calibri" panose="020F0502020204030204" pitchFamily="34" charset="0"/>
+              </a:rPr>
+              <a:t>Message</a:t>
+            </a:r>
+            <a:r>
+              <a:rPr lang="zh-CN" altLang="en-US" sz="1400" dirty="0">
+                <a:solidFill>
+                  <a:srgbClr val="666666"/>
+                </a:solidFill>
+                <a:latin typeface="Calibri" panose="020F0502020204030204" pitchFamily="34" charset="0"/>
+              </a:rPr>
+              <a:t>的</a:t>
+            </a:r>
+            <a:r>
+              <a:rPr lang="en-US" altLang="zh-CN" sz="1400" dirty="0">
+                <a:solidFill>
+                  <a:srgbClr val="666666"/>
+                </a:solidFill>
+                <a:latin typeface="Calibri" panose="020F0502020204030204" pitchFamily="34" charset="0"/>
+              </a:rPr>
+              <a:t>reflection</a:t>
+            </a:r>
+            <a:r>
+              <a:rPr lang="zh-CN" altLang="en-US" sz="1400" dirty="0">
+                <a:solidFill>
+                  <a:srgbClr val="666666"/>
+                </a:solidFill>
+                <a:latin typeface="Calibri" panose="020F0502020204030204" pitchFamily="34" charset="0"/>
+              </a:rPr>
+              <a:t>操作</a:t>
+            </a:r>
+            <a:r>
+              <a:rPr lang="en-US" altLang="zh-CN" sz="1400" dirty="0">
+                <a:solidFill>
+                  <a:srgbClr val="666666"/>
+                </a:solidFill>
+                <a:latin typeface="Calibri" panose="020F0502020204030204" pitchFamily="34" charset="0"/>
+              </a:rPr>
+              <a:t>message</a:t>
+            </a:r>
+            <a:r>
+              <a:rPr lang="zh-CN" altLang="en-US" sz="1400" dirty="0">
+                <a:solidFill>
+                  <a:srgbClr val="666666"/>
+                </a:solidFill>
+                <a:latin typeface="Calibri" panose="020F0502020204030204" pitchFamily="34" charset="0"/>
+              </a:rPr>
+              <a:t>的各个字段</a:t>
+            </a:r>
+          </a:p>
+        </p:txBody>
+      </p:sp>
+      <p:sp>
+        <p:nvSpPr>
+          <p:cNvPr id="14" name="矩形 13"/>
+          <p:cNvSpPr/>
+          <p:nvPr/>
+        </p:nvSpPr>
+        <p:spPr>
+          <a:xfrm>
+            <a:off x="640176" y="5281463"/>
+            <a:ext cx="3960440" cy="307777"/>
+          </a:xfrm>
+          <a:prstGeom prst="rect">
+            <a:avLst/>
+          </a:prstGeom>
+        </p:spPr>
+        <p:txBody>
+          <a:bodyPr wrap="square">
+            <a:spAutoFit/>
+          </a:bodyPr>
+          <a:lstStyle/>
+          <a:p>
+            <a:r>
+              <a:rPr lang="zh-CN" altLang="en-US" sz="1400" dirty="0" smtClean="0">
+                <a:solidFill>
+                  <a:srgbClr val="666666"/>
+                </a:solidFill>
+                <a:latin typeface="Calibri" panose="020F0502020204030204" pitchFamily="34" charset="0"/>
+              </a:rPr>
+              <a:t>⑤对</a:t>
+            </a:r>
+            <a:r>
+              <a:rPr lang="en-US" altLang="zh-CN" sz="1400" dirty="0" smtClean="0">
+                <a:solidFill>
+                  <a:srgbClr val="666666"/>
+                </a:solidFill>
+                <a:latin typeface="Calibri" panose="020F0502020204030204" pitchFamily="34" charset="0"/>
+              </a:rPr>
+              <a:t>message</a:t>
+            </a:r>
+            <a:r>
+              <a:rPr lang="zh-CN" altLang="en-US" sz="1400" dirty="0" smtClean="0">
+                <a:solidFill>
+                  <a:srgbClr val="666666"/>
+                </a:solidFill>
+                <a:latin typeface="Calibri" panose="020F0502020204030204" pitchFamily="34" charset="0"/>
+              </a:rPr>
+              <a:t>对象可以执行序列化等操作</a:t>
+            </a:r>
+            <a:endParaRPr lang="zh-CN" altLang="en-US" sz="1400" dirty="0">
+              <a:solidFill>
+                <a:srgbClr val="666666"/>
+              </a:solidFill>
+              <a:latin typeface="Calibri" panose="020F0502020204030204" pitchFamily="34" charset="0"/>
+            </a:endParaRPr>
+          </a:p>
+        </p:txBody>
+      </p:sp>
+    </p:spTree>
+    <p:extLst>
+      <p:ext uri="{BB962C8B-B14F-4D97-AF65-F5344CB8AC3E}">
+        <p14:creationId xmlns:p14="http://schemas.microsoft.com/office/powerpoint/2010/main" val="591962424"/>
+      </p:ext>
+    </p:extLst>
+  </p:cSld>
+  <p:clrMapOvr>
+    <a:masterClrMapping/>
+  </p:clrMapOvr>
+</p:sld>
+</file>
+
+<file path=ppt/slides/slide18.xml><?xml version="1.0" encoding="utf-8"?>
+<p:sld xmlns:a="http://schemas.openxmlformats.org/drawingml/2006/main" xmlns:r="http://schemas.openxmlformats.org/officeDocument/2006/relationships" xmlns:p="http://schemas.openxmlformats.org/presentationml/2006/main">
+  <p:cSld>
+    <p:spTree>
+      <p:nvGrpSpPr>
+        <p:cNvPr id="1" name=""/>
+        <p:cNvGrpSpPr/>
+        <p:nvPr/>
+      </p:nvGrpSpPr>
+      <p:grpSpPr>
+        <a:xfrm>
+          <a:off x="0" y="0"/>
+          <a:ext cx="0" cy="0"/>
+          <a:chOff x="0" y="0"/>
+          <a:chExt cx="0" cy="0"/>
+        </a:xfrm>
+      </p:grpSpPr>
+      <p:sp>
+        <p:nvSpPr>
+          <p:cNvPr id="2" name="标题 1"/>
+          <p:cNvSpPr>
+            <a:spLocks noGrp="1"/>
+          </p:cNvSpPr>
+          <p:nvPr>
+            <p:ph type="title"/>
+          </p:nvPr>
+        </p:nvSpPr>
+        <p:spPr/>
+        <p:txBody>
+          <a:bodyPr/>
+          <a:lstStyle/>
+          <a:p>
+            <a:r>
+              <a:rPr lang="zh-CN" altLang="en-US" dirty="0" smtClean="0"/>
+              <a:t>参考文献</a:t>
+            </a:r>
+            <a:endParaRPr lang="zh-CN" altLang="en-US" dirty="0"/>
+          </a:p>
+        </p:txBody>
+      </p:sp>
+      <p:sp>
+        <p:nvSpPr>
+          <p:cNvPr id="3" name="内容占位符 2"/>
+          <p:cNvSpPr>
+            <a:spLocks noGrp="1"/>
+          </p:cNvSpPr>
+          <p:nvPr>
+            <p:ph idx="1"/>
+          </p:nvPr>
+        </p:nvSpPr>
+        <p:spPr/>
+        <p:txBody>
+          <a:bodyPr>
+            <a:normAutofit/>
+          </a:bodyPr>
+          <a:lstStyle/>
+          <a:p>
+            <a:r>
+              <a:rPr lang="en-US" altLang="zh-CN" sz="2400" dirty="0">
+                <a:hlinkClick r:id="rId2"/>
+              </a:rPr>
+              <a:t>https://</a:t>
+            </a:r>
+            <a:r>
+              <a:rPr lang="en-US" altLang="zh-CN" sz="2400" dirty="0" smtClean="0">
+                <a:hlinkClick r:id="rId2"/>
+              </a:rPr>
+              <a:t>developers.google.com/protocol-buffers/docs/overview</a:t>
+            </a:r>
+            <a:endParaRPr lang="en-US" altLang="zh-CN" sz="2400" dirty="0" smtClean="0"/>
+          </a:p>
+          <a:p>
+            <a:pPr fontAlgn="base"/>
+            <a:r>
+              <a:rPr lang="en-US" altLang="zh-CN" sz="2400" dirty="0">
+                <a:hlinkClick r:id="rId3"/>
+              </a:rPr>
+              <a:t>Google Protocol Buffer </a:t>
+            </a:r>
+            <a:r>
+              <a:rPr lang="zh-CN" altLang="en-US" sz="2400" dirty="0">
+                <a:hlinkClick r:id="rId3"/>
+              </a:rPr>
+              <a:t>的使用和</a:t>
+            </a:r>
+            <a:r>
+              <a:rPr lang="zh-CN" altLang="en-US" sz="2400" dirty="0" smtClean="0">
+                <a:hlinkClick r:id="rId3"/>
+              </a:rPr>
+              <a:t>原理</a:t>
+            </a:r>
+            <a:endParaRPr lang="en-US" altLang="zh-CN" sz="2400" dirty="0" smtClean="0"/>
+          </a:p>
+          <a:p>
+            <a:pPr fontAlgn="base"/>
+            <a:r>
+              <a:rPr lang="en-US" altLang="zh-CN" sz="2400" dirty="0">
+                <a:hlinkClick r:id="rId4"/>
+              </a:rPr>
+              <a:t>Schema evolution in Avro, Protocol Buffers and Thrift</a:t>
+            </a:r>
+            <a:endParaRPr lang="zh-CN" altLang="en-US" sz="2400" dirty="0"/>
+          </a:p>
+          <a:p>
+            <a:r>
+              <a:rPr lang="zh-CN" altLang="en-US" sz="2400" dirty="0" smtClean="0">
+                <a:hlinkClick r:id="rId5"/>
+              </a:rPr>
+              <a:t>序列化性能对比</a:t>
+            </a:r>
+            <a:endParaRPr lang="en-US" altLang="zh-CN" sz="2400" dirty="0" smtClean="0"/>
+          </a:p>
+          <a:p>
+            <a:r>
+              <a:rPr lang="zh-CN" altLang="en-US" sz="2400" dirty="0" smtClean="0">
+                <a:hlinkClick r:id="rId6"/>
+              </a:rPr>
+              <a:t>动态自描述消息实现</a:t>
+            </a:r>
+            <a:endParaRPr lang="en-US" altLang="zh-CN" sz="2400" dirty="0" smtClean="0"/>
+          </a:p>
+          <a:p>
+            <a:r>
+              <a:rPr lang="zh-CN" altLang="en-US" sz="2400" dirty="0">
+                <a:hlinkClick r:id="rId7"/>
+              </a:rPr>
+              <a:t>深入</a:t>
+            </a:r>
+            <a:r>
+              <a:rPr lang="en-US" altLang="zh-CN" sz="2400" dirty="0" err="1">
+                <a:hlinkClick r:id="rId7"/>
+              </a:rPr>
+              <a:t>Protobuf</a:t>
+            </a:r>
+            <a:r>
+              <a:rPr lang="zh-CN" altLang="en-US" sz="2400" dirty="0" smtClean="0">
+                <a:hlinkClick r:id="rId7"/>
+              </a:rPr>
+              <a:t>源码</a:t>
+            </a:r>
+            <a:endParaRPr lang="en-US" altLang="zh-CN" sz="2400" dirty="0" smtClean="0"/>
+          </a:p>
+          <a:p>
+            <a:endParaRPr lang="zh-CN" altLang="en-US" dirty="0"/>
+          </a:p>
+        </p:txBody>
+      </p:sp>
+      <p:sp>
+        <p:nvSpPr>
+          <p:cNvPr id="4" name="日期占位符 3"/>
+          <p:cNvSpPr>
+            <a:spLocks noGrp="1"/>
+          </p:cNvSpPr>
+          <p:nvPr>
+            <p:ph type="dt" sz="half" idx="10"/>
+          </p:nvPr>
+        </p:nvSpPr>
+        <p:spPr/>
+        <p:txBody>
+          <a:bodyPr/>
+          <a:lstStyle/>
+          <a:p>
+            <a:r>
+              <a:rPr lang="en-US" altLang="zh-CN" smtClean="0"/>
+              <a:t>2016-04-28</a:t>
+            </a:r>
+            <a:endParaRPr lang="zh-CN" altLang="en-US"/>
+          </a:p>
+        </p:txBody>
+      </p:sp>
+      <p:sp>
+        <p:nvSpPr>
+          <p:cNvPr id="5" name="页脚占位符 4"/>
+          <p:cNvSpPr>
+            <a:spLocks noGrp="1"/>
+          </p:cNvSpPr>
+          <p:nvPr>
+            <p:ph type="ftr" sz="quarter" idx="11"/>
+          </p:nvPr>
+        </p:nvSpPr>
+        <p:spPr/>
+        <p:txBody>
+          <a:bodyPr/>
+          <a:lstStyle/>
+          <a:p>
+            <a:r>
+              <a:rPr lang="zh-CN" altLang="en-US" smtClean="0"/>
+              <a:t>平安付基础架构中间件组</a:t>
+            </a:r>
+            <a:endParaRPr lang="zh-CN" altLang="en-US"/>
+          </a:p>
+        </p:txBody>
+      </p:sp>
+      <p:sp>
+        <p:nvSpPr>
+          <p:cNvPr id="6" name="灯片编号占位符 5"/>
+          <p:cNvSpPr>
+            <a:spLocks noGrp="1"/>
+          </p:cNvSpPr>
+          <p:nvPr>
+            <p:ph type="sldNum" sz="quarter" idx="12"/>
+          </p:nvPr>
+        </p:nvSpPr>
+        <p:spPr/>
+        <p:txBody>
+          <a:bodyPr/>
+          <a:lstStyle/>
+          <a:p>
+            <a:fld id="{0C913308-F349-4B6D-A68A-DD1791B4A57B}" type="slidenum">
+              <a:rPr lang="zh-CN" altLang="en-US" smtClean="0"/>
+              <a:pPr/>
+              <a:t>18</a:t>
             </a:fld>
             <a:endParaRPr lang="zh-CN" altLang="en-US"/>
           </a:p>
@@ -10442,15 +13259,7 @@
           <a:p>
             <a:r>
               <a:rPr lang="zh-CN" altLang="en-US" dirty="0" smtClean="0"/>
-              <a:t>扩展</a:t>
-            </a:r>
-            <a:r>
-              <a:rPr lang="zh-CN" altLang="en-US" dirty="0" smtClean="0"/>
-              <a:t>及可</a:t>
-            </a:r>
-            <a:r>
-              <a:rPr lang="zh-CN" altLang="en-US" dirty="0" smtClean="0"/>
-              <a:t>改进的地方</a:t>
+              <a:t>扩展及可改进的地方</a:t>
             </a:r>
             <a:endParaRPr lang="zh-CN" altLang="en-US" dirty="0"/>
           </a:p>
@@ -10871,7 +13680,7 @@
         </p:nvSpPr>
         <p:spPr>
           <a:xfrm>
-            <a:off x="4572000" y="5319670"/>
+            <a:off x="4355976" y="5301208"/>
             <a:ext cx="2016224" cy="485594"/>
           </a:xfrm>
           <a:prstGeom prst="rect">
@@ -10910,7 +13719,7 @@
         </p:nvSpPr>
         <p:spPr>
           <a:xfrm>
-            <a:off x="5200648" y="5607702"/>
+            <a:off x="5148064" y="5607702"/>
             <a:ext cx="2016224" cy="485594"/>
           </a:xfrm>
           <a:prstGeom prst="rect">
@@ -11734,9 +14543,643 @@
   <p:timing>
     <p:tnLst>
       <p:par>
-        <p:cTn id="1" dur="indefinite" restart="never" nodeType="tmRoot"/>
+        <p:cTn id="1" dur="indefinite" restart="never" nodeType="tmRoot">
+          <p:childTnLst>
+            <p:seq concurrent="1" nextAc="seek">
+              <p:cTn id="2" dur="indefinite" nodeType="mainSeq">
+                <p:childTnLst>
+                  <p:par>
+                    <p:cTn id="3" fill="hold">
+                      <p:stCondLst>
+                        <p:cond delay="indefinite"/>
+                      </p:stCondLst>
+                      <p:childTnLst>
+                        <p:par>
+                          <p:cTn id="4" fill="hold">
+                            <p:stCondLst>
+                              <p:cond delay="0"/>
+                            </p:stCondLst>
+                            <p:childTnLst>
+                              <p:par>
+                                <p:cTn id="5" presetID="16" presetClass="entr" presetSubtype="37" fill="hold" nodeType="clickEffect">
+                                  <p:stCondLst>
+                                    <p:cond delay="0"/>
+                                  </p:stCondLst>
+                                  <p:childTnLst>
+                                    <p:set>
+                                      <p:cBhvr>
+                                        <p:cTn id="6" dur="1" fill="hold">
+                                          <p:stCondLst>
+                                            <p:cond delay="0"/>
+                                          </p:stCondLst>
+                                        </p:cTn>
+                                        <p:tgtEl>
+                                          <p:spTgt spid="32"/>
+                                        </p:tgtEl>
+                                        <p:attrNameLst>
+                                          <p:attrName>style.visibility</p:attrName>
+                                        </p:attrNameLst>
+                                      </p:cBhvr>
+                                      <p:to>
+                                        <p:strVal val="visible"/>
+                                      </p:to>
+                                    </p:set>
+                                    <p:animEffect transition="in" filter="barn(outVertical)">
+                                      <p:cBhvr>
+                                        <p:cTn id="7" dur="500"/>
+                                        <p:tgtEl>
+                                          <p:spTgt spid="32"/>
+                                        </p:tgtEl>
+                                      </p:cBhvr>
+                                    </p:animEffect>
+                                  </p:childTnLst>
+                                </p:cTn>
+                              </p:par>
+                            </p:childTnLst>
+                          </p:cTn>
+                        </p:par>
+                      </p:childTnLst>
+                    </p:cTn>
+                  </p:par>
+                  <p:par>
+                    <p:cTn id="8" fill="hold">
+                      <p:stCondLst>
+                        <p:cond delay="indefinite"/>
+                      </p:stCondLst>
+                      <p:childTnLst>
+                        <p:par>
+                          <p:cTn id="9" fill="hold">
+                            <p:stCondLst>
+                              <p:cond delay="0"/>
+                            </p:stCondLst>
+                            <p:childTnLst>
+                              <p:par>
+                                <p:cTn id="10" presetID="22" presetClass="entr" presetSubtype="4" fill="hold" grpId="0" nodeType="clickEffect">
+                                  <p:stCondLst>
+                                    <p:cond delay="0"/>
+                                  </p:stCondLst>
+                                  <p:childTnLst>
+                                    <p:set>
+                                      <p:cBhvr>
+                                        <p:cTn id="11" dur="1" fill="hold">
+                                          <p:stCondLst>
+                                            <p:cond delay="0"/>
+                                          </p:stCondLst>
+                                        </p:cTn>
+                                        <p:tgtEl>
+                                          <p:spTgt spid="23"/>
+                                        </p:tgtEl>
+                                        <p:attrNameLst>
+                                          <p:attrName>style.visibility</p:attrName>
+                                        </p:attrNameLst>
+                                      </p:cBhvr>
+                                      <p:to>
+                                        <p:strVal val="visible"/>
+                                      </p:to>
+                                    </p:set>
+                                    <p:animEffect transition="in" filter="wipe(down)">
+                                      <p:cBhvr>
+                                        <p:cTn id="12" dur="500"/>
+                                        <p:tgtEl>
+                                          <p:spTgt spid="23"/>
+                                        </p:tgtEl>
+                                      </p:cBhvr>
+                                    </p:animEffect>
+                                  </p:childTnLst>
+                                </p:cTn>
+                              </p:par>
+                              <p:par>
+                                <p:cTn id="13" presetID="22" presetClass="entr" presetSubtype="1" fill="hold" grpId="0" nodeType="withEffect">
+                                  <p:stCondLst>
+                                    <p:cond delay="0"/>
+                                  </p:stCondLst>
+                                  <p:childTnLst>
+                                    <p:set>
+                                      <p:cBhvr>
+                                        <p:cTn id="14" dur="1" fill="hold">
+                                          <p:stCondLst>
+                                            <p:cond delay="0"/>
+                                          </p:stCondLst>
+                                        </p:cTn>
+                                        <p:tgtEl>
+                                          <p:spTgt spid="25"/>
+                                        </p:tgtEl>
+                                        <p:attrNameLst>
+                                          <p:attrName>style.visibility</p:attrName>
+                                        </p:attrNameLst>
+                                      </p:cBhvr>
+                                      <p:to>
+                                        <p:strVal val="visible"/>
+                                      </p:to>
+                                    </p:set>
+                                    <p:animEffect transition="in" filter="wipe(up)">
+                                      <p:cBhvr>
+                                        <p:cTn id="15" dur="500"/>
+                                        <p:tgtEl>
+                                          <p:spTgt spid="25"/>
+                                        </p:tgtEl>
+                                      </p:cBhvr>
+                                    </p:animEffect>
+                                  </p:childTnLst>
+                                </p:cTn>
+                              </p:par>
+                              <p:par>
+                                <p:cTn id="16" presetID="22" presetClass="entr" presetSubtype="4" fill="hold" grpId="0" nodeType="withEffect">
+                                  <p:stCondLst>
+                                    <p:cond delay="0"/>
+                                  </p:stCondLst>
+                                  <p:childTnLst>
+                                    <p:set>
+                                      <p:cBhvr>
+                                        <p:cTn id="17" dur="1" fill="hold">
+                                          <p:stCondLst>
+                                            <p:cond delay="0"/>
+                                          </p:stCondLst>
+                                        </p:cTn>
+                                        <p:tgtEl>
+                                          <p:spTgt spid="24"/>
+                                        </p:tgtEl>
+                                        <p:attrNameLst>
+                                          <p:attrName>style.visibility</p:attrName>
+                                        </p:attrNameLst>
+                                      </p:cBhvr>
+                                      <p:to>
+                                        <p:strVal val="visible"/>
+                                      </p:to>
+                                    </p:set>
+                                    <p:animEffect transition="in" filter="wipe(down)">
+                                      <p:cBhvr>
+                                        <p:cTn id="18" dur="500"/>
+                                        <p:tgtEl>
+                                          <p:spTgt spid="24"/>
+                                        </p:tgtEl>
+                                      </p:cBhvr>
+                                    </p:animEffect>
+                                  </p:childTnLst>
+                                </p:cTn>
+                              </p:par>
+                              <p:par>
+                                <p:cTn id="19" presetID="22" presetClass="entr" presetSubtype="1" fill="hold" grpId="0" nodeType="withEffect">
+                                  <p:stCondLst>
+                                    <p:cond delay="0"/>
+                                  </p:stCondLst>
+                                  <p:childTnLst>
+                                    <p:set>
+                                      <p:cBhvr>
+                                        <p:cTn id="20" dur="1" fill="hold">
+                                          <p:stCondLst>
+                                            <p:cond delay="0"/>
+                                          </p:stCondLst>
+                                        </p:cTn>
+                                        <p:tgtEl>
+                                          <p:spTgt spid="26"/>
+                                        </p:tgtEl>
+                                        <p:attrNameLst>
+                                          <p:attrName>style.visibility</p:attrName>
+                                        </p:attrNameLst>
+                                      </p:cBhvr>
+                                      <p:to>
+                                        <p:strVal val="visible"/>
+                                      </p:to>
+                                    </p:set>
+                                    <p:animEffect transition="in" filter="wipe(up)">
+                                      <p:cBhvr>
+                                        <p:cTn id="21" dur="500"/>
+                                        <p:tgtEl>
+                                          <p:spTgt spid="26"/>
+                                        </p:tgtEl>
+                                      </p:cBhvr>
+                                    </p:animEffect>
+                                  </p:childTnLst>
+                                </p:cTn>
+                              </p:par>
+                            </p:childTnLst>
+                          </p:cTn>
+                        </p:par>
+                      </p:childTnLst>
+                    </p:cTn>
+                  </p:par>
+                  <p:par>
+                    <p:cTn id="22" fill="hold">
+                      <p:stCondLst>
+                        <p:cond delay="indefinite"/>
+                      </p:stCondLst>
+                      <p:childTnLst>
+                        <p:par>
+                          <p:cTn id="23" fill="hold">
+                            <p:stCondLst>
+                              <p:cond delay="0"/>
+                            </p:stCondLst>
+                            <p:childTnLst>
+                              <p:par>
+                                <p:cTn id="24" presetID="22" presetClass="entr" presetSubtype="4" fill="hold" grpId="0" nodeType="clickEffect">
+                                  <p:stCondLst>
+                                    <p:cond delay="0"/>
+                                  </p:stCondLst>
+                                  <p:childTnLst>
+                                    <p:set>
+                                      <p:cBhvr>
+                                        <p:cTn id="25" dur="1" fill="hold">
+                                          <p:stCondLst>
+                                            <p:cond delay="0"/>
+                                          </p:stCondLst>
+                                        </p:cTn>
+                                        <p:tgtEl>
+                                          <p:spTgt spid="20"/>
+                                        </p:tgtEl>
+                                        <p:attrNameLst>
+                                          <p:attrName>style.visibility</p:attrName>
+                                        </p:attrNameLst>
+                                      </p:cBhvr>
+                                      <p:to>
+                                        <p:strVal val="visible"/>
+                                      </p:to>
+                                    </p:set>
+                                    <p:animEffect transition="in" filter="wipe(down)">
+                                      <p:cBhvr>
+                                        <p:cTn id="26" dur="500"/>
+                                        <p:tgtEl>
+                                          <p:spTgt spid="20"/>
+                                        </p:tgtEl>
+                                      </p:cBhvr>
+                                    </p:animEffect>
+                                  </p:childTnLst>
+                                </p:cTn>
+                              </p:par>
+                              <p:par>
+                                <p:cTn id="27" presetID="22" presetClass="entr" presetSubtype="1" fill="hold" grpId="0" nodeType="withEffect">
+                                  <p:stCondLst>
+                                    <p:cond delay="0"/>
+                                  </p:stCondLst>
+                                  <p:childTnLst>
+                                    <p:set>
+                                      <p:cBhvr>
+                                        <p:cTn id="28" dur="1" fill="hold">
+                                          <p:stCondLst>
+                                            <p:cond delay="0"/>
+                                          </p:stCondLst>
+                                        </p:cTn>
+                                        <p:tgtEl>
+                                          <p:spTgt spid="21"/>
+                                        </p:tgtEl>
+                                        <p:attrNameLst>
+                                          <p:attrName>style.visibility</p:attrName>
+                                        </p:attrNameLst>
+                                      </p:cBhvr>
+                                      <p:to>
+                                        <p:strVal val="visible"/>
+                                      </p:to>
+                                    </p:set>
+                                    <p:animEffect transition="in" filter="wipe(up)">
+                                      <p:cBhvr>
+                                        <p:cTn id="29" dur="500"/>
+                                        <p:tgtEl>
+                                          <p:spTgt spid="21"/>
+                                        </p:tgtEl>
+                                      </p:cBhvr>
+                                    </p:animEffect>
+                                  </p:childTnLst>
+                                </p:cTn>
+                              </p:par>
+                            </p:childTnLst>
+                          </p:cTn>
+                        </p:par>
+                        <p:par>
+                          <p:cTn id="30" fill="hold">
+                            <p:stCondLst>
+                              <p:cond delay="500"/>
+                            </p:stCondLst>
+                            <p:childTnLst>
+                              <p:par>
+                                <p:cTn id="31" presetID="22" presetClass="entr" presetSubtype="8" fill="hold" nodeType="afterEffect">
+                                  <p:stCondLst>
+                                    <p:cond delay="0"/>
+                                  </p:stCondLst>
+                                  <p:childTnLst>
+                                    <p:set>
+                                      <p:cBhvr>
+                                        <p:cTn id="32" dur="1" fill="hold">
+                                          <p:stCondLst>
+                                            <p:cond delay="0"/>
+                                          </p:stCondLst>
+                                        </p:cTn>
+                                        <p:tgtEl>
+                                          <p:spTgt spid="31"/>
+                                        </p:tgtEl>
+                                        <p:attrNameLst>
+                                          <p:attrName>style.visibility</p:attrName>
+                                        </p:attrNameLst>
+                                      </p:cBhvr>
+                                      <p:to>
+                                        <p:strVal val="visible"/>
+                                      </p:to>
+                                    </p:set>
+                                    <p:animEffect transition="in" filter="wipe(left)">
+                                      <p:cBhvr>
+                                        <p:cTn id="33" dur="500"/>
+                                        <p:tgtEl>
+                                          <p:spTgt spid="31"/>
+                                        </p:tgtEl>
+                                      </p:cBhvr>
+                                    </p:animEffect>
+                                  </p:childTnLst>
+                                </p:cTn>
+                              </p:par>
+                            </p:childTnLst>
+                          </p:cTn>
+                        </p:par>
+                        <p:par>
+                          <p:cTn id="34" fill="hold">
+                            <p:stCondLst>
+                              <p:cond delay="1000"/>
+                            </p:stCondLst>
+                            <p:childTnLst>
+                              <p:par>
+                                <p:cTn id="35" presetID="22" presetClass="entr" presetSubtype="2" fill="hold" nodeType="afterEffect">
+                                  <p:stCondLst>
+                                    <p:cond delay="0"/>
+                                  </p:stCondLst>
+                                  <p:childTnLst>
+                                    <p:set>
+                                      <p:cBhvr>
+                                        <p:cTn id="36" dur="1" fill="hold">
+                                          <p:stCondLst>
+                                            <p:cond delay="0"/>
+                                          </p:stCondLst>
+                                        </p:cTn>
+                                        <p:tgtEl>
+                                          <p:spTgt spid="30"/>
+                                        </p:tgtEl>
+                                        <p:attrNameLst>
+                                          <p:attrName>style.visibility</p:attrName>
+                                        </p:attrNameLst>
+                                      </p:cBhvr>
+                                      <p:to>
+                                        <p:strVal val="visible"/>
+                                      </p:to>
+                                    </p:set>
+                                    <p:animEffect transition="in" filter="wipe(right)">
+                                      <p:cBhvr>
+                                        <p:cTn id="37" dur="500"/>
+                                        <p:tgtEl>
+                                          <p:spTgt spid="30"/>
+                                        </p:tgtEl>
+                                      </p:cBhvr>
+                                    </p:animEffect>
+                                  </p:childTnLst>
+                                </p:cTn>
+                              </p:par>
+                            </p:childTnLst>
+                          </p:cTn>
+                        </p:par>
+                      </p:childTnLst>
+                    </p:cTn>
+                  </p:par>
+                  <p:par>
+                    <p:cTn id="38" fill="hold">
+                      <p:stCondLst>
+                        <p:cond delay="indefinite"/>
+                      </p:stCondLst>
+                      <p:childTnLst>
+                        <p:par>
+                          <p:cTn id="39" fill="hold">
+                            <p:stCondLst>
+                              <p:cond delay="0"/>
+                            </p:stCondLst>
+                            <p:childTnLst>
+                              <p:par>
+                                <p:cTn id="40" presetID="22" presetClass="entr" presetSubtype="1" fill="hold" grpId="0" nodeType="clickEffect">
+                                  <p:stCondLst>
+                                    <p:cond delay="0"/>
+                                  </p:stCondLst>
+                                  <p:childTnLst>
+                                    <p:set>
+                                      <p:cBhvr>
+                                        <p:cTn id="41" dur="1" fill="hold">
+                                          <p:stCondLst>
+                                            <p:cond delay="0"/>
+                                          </p:stCondLst>
+                                        </p:cTn>
+                                        <p:tgtEl>
+                                          <p:spTgt spid="15"/>
+                                        </p:tgtEl>
+                                        <p:attrNameLst>
+                                          <p:attrName>style.visibility</p:attrName>
+                                        </p:attrNameLst>
+                                      </p:cBhvr>
+                                      <p:to>
+                                        <p:strVal val="visible"/>
+                                      </p:to>
+                                    </p:set>
+                                    <p:animEffect transition="in" filter="wipe(up)">
+                                      <p:cBhvr>
+                                        <p:cTn id="42" dur="500"/>
+                                        <p:tgtEl>
+                                          <p:spTgt spid="15"/>
+                                        </p:tgtEl>
+                                      </p:cBhvr>
+                                    </p:animEffect>
+                                  </p:childTnLst>
+                                </p:cTn>
+                              </p:par>
+                            </p:childTnLst>
+                          </p:cTn>
+                        </p:par>
+                      </p:childTnLst>
+                    </p:cTn>
+                  </p:par>
+                  <p:par>
+                    <p:cTn id="43" fill="hold">
+                      <p:stCondLst>
+                        <p:cond delay="indefinite"/>
+                      </p:stCondLst>
+                      <p:childTnLst>
+                        <p:par>
+                          <p:cTn id="44" fill="hold">
+                            <p:stCondLst>
+                              <p:cond delay="0"/>
+                            </p:stCondLst>
+                            <p:childTnLst>
+                              <p:par>
+                                <p:cTn id="45" presetID="22" presetClass="entr" presetSubtype="1" fill="hold" grpId="0" nodeType="clickEffect">
+                                  <p:stCondLst>
+                                    <p:cond delay="0"/>
+                                  </p:stCondLst>
+                                  <p:childTnLst>
+                                    <p:set>
+                                      <p:cBhvr>
+                                        <p:cTn id="46" dur="1" fill="hold">
+                                          <p:stCondLst>
+                                            <p:cond delay="0"/>
+                                          </p:stCondLst>
+                                        </p:cTn>
+                                        <p:tgtEl>
+                                          <p:spTgt spid="16"/>
+                                        </p:tgtEl>
+                                        <p:attrNameLst>
+                                          <p:attrName>style.visibility</p:attrName>
+                                        </p:attrNameLst>
+                                      </p:cBhvr>
+                                      <p:to>
+                                        <p:strVal val="visible"/>
+                                      </p:to>
+                                    </p:set>
+                                    <p:animEffect transition="in" filter="wipe(up)">
+                                      <p:cBhvr>
+                                        <p:cTn id="47" dur="500"/>
+                                        <p:tgtEl>
+                                          <p:spTgt spid="16"/>
+                                        </p:tgtEl>
+                                      </p:cBhvr>
+                                    </p:animEffect>
+                                  </p:childTnLst>
+                                </p:cTn>
+                              </p:par>
+                            </p:childTnLst>
+                          </p:cTn>
+                        </p:par>
+                      </p:childTnLst>
+                    </p:cTn>
+                  </p:par>
+                  <p:par>
+                    <p:cTn id="48" fill="hold">
+                      <p:stCondLst>
+                        <p:cond delay="indefinite"/>
+                      </p:stCondLst>
+                      <p:childTnLst>
+                        <p:par>
+                          <p:cTn id="49" fill="hold">
+                            <p:stCondLst>
+                              <p:cond delay="0"/>
+                            </p:stCondLst>
+                            <p:childTnLst>
+                              <p:par>
+                                <p:cTn id="50" presetID="22" presetClass="entr" presetSubtype="1" fill="hold" grpId="0" nodeType="clickEffect">
+                                  <p:stCondLst>
+                                    <p:cond delay="0"/>
+                                  </p:stCondLst>
+                                  <p:childTnLst>
+                                    <p:set>
+                                      <p:cBhvr>
+                                        <p:cTn id="51" dur="1" fill="hold">
+                                          <p:stCondLst>
+                                            <p:cond delay="0"/>
+                                          </p:stCondLst>
+                                        </p:cTn>
+                                        <p:tgtEl>
+                                          <p:spTgt spid="17"/>
+                                        </p:tgtEl>
+                                        <p:attrNameLst>
+                                          <p:attrName>style.visibility</p:attrName>
+                                        </p:attrNameLst>
+                                      </p:cBhvr>
+                                      <p:to>
+                                        <p:strVal val="visible"/>
+                                      </p:to>
+                                    </p:set>
+                                    <p:animEffect transition="in" filter="wipe(up)">
+                                      <p:cBhvr>
+                                        <p:cTn id="52" dur="500"/>
+                                        <p:tgtEl>
+                                          <p:spTgt spid="17"/>
+                                        </p:tgtEl>
+                                      </p:cBhvr>
+                                    </p:animEffect>
+                                  </p:childTnLst>
+                                </p:cTn>
+                              </p:par>
+                            </p:childTnLst>
+                          </p:cTn>
+                        </p:par>
+                      </p:childTnLst>
+                    </p:cTn>
+                  </p:par>
+                  <p:par>
+                    <p:cTn id="53" fill="hold">
+                      <p:stCondLst>
+                        <p:cond delay="indefinite"/>
+                      </p:stCondLst>
+                      <p:childTnLst>
+                        <p:par>
+                          <p:cTn id="54" fill="hold">
+                            <p:stCondLst>
+                              <p:cond delay="0"/>
+                            </p:stCondLst>
+                            <p:childTnLst>
+                              <p:par>
+                                <p:cTn id="55" presetID="22" presetClass="entr" presetSubtype="1" fill="hold" grpId="0" nodeType="clickEffect">
+                                  <p:stCondLst>
+                                    <p:cond delay="0"/>
+                                  </p:stCondLst>
+                                  <p:childTnLst>
+                                    <p:set>
+                                      <p:cBhvr>
+                                        <p:cTn id="56" dur="1" fill="hold">
+                                          <p:stCondLst>
+                                            <p:cond delay="0"/>
+                                          </p:stCondLst>
+                                        </p:cTn>
+                                        <p:tgtEl>
+                                          <p:spTgt spid="18"/>
+                                        </p:tgtEl>
+                                        <p:attrNameLst>
+                                          <p:attrName>style.visibility</p:attrName>
+                                        </p:attrNameLst>
+                                      </p:cBhvr>
+                                      <p:to>
+                                        <p:strVal val="visible"/>
+                                      </p:to>
+                                    </p:set>
+                                    <p:animEffect transition="in" filter="wipe(up)">
+                                      <p:cBhvr>
+                                        <p:cTn id="57" dur="500"/>
+                                        <p:tgtEl>
+                                          <p:spTgt spid="18"/>
+                                        </p:tgtEl>
+                                      </p:cBhvr>
+                                    </p:animEffect>
+                                  </p:childTnLst>
+                                </p:cTn>
+                              </p:par>
+                            </p:childTnLst>
+                          </p:cTn>
+                        </p:par>
+                      </p:childTnLst>
+                    </p:cTn>
+                  </p:par>
+                </p:childTnLst>
+              </p:cTn>
+              <p:prevCondLst>
+                <p:cond evt="onPrev" delay="0">
+                  <p:tgtEl>
+                    <p:sldTgt/>
+                  </p:tgtEl>
+                </p:cond>
+              </p:prevCondLst>
+              <p:nextCondLst>
+                <p:cond evt="onNext" delay="0">
+                  <p:tgtEl>
+                    <p:sldTgt/>
+                  </p:tgtEl>
+                </p:cond>
+              </p:nextCondLst>
+            </p:seq>
+          </p:childTnLst>
+        </p:cTn>
       </p:par>
     </p:tnLst>
+    <p:bldLst>
+      <p:bldP spid="15" grpId="0" animBg="1"/>
+      <p:bldP spid="16" grpId="0" animBg="1"/>
+      <p:bldP spid="17" grpId="0" animBg="1"/>
+      <p:bldP spid="18" grpId="0" animBg="1"/>
+      <p:bldP spid="20" grpId="0" animBg="1"/>
+      <p:bldP spid="21" grpId="0" animBg="1"/>
+      <p:bldP spid="23" grpId="0"/>
+      <p:bldP spid="24" grpId="0"/>
+      <p:bldP spid="25" grpId="0" animBg="1"/>
+      <p:bldP spid="26" grpId="0" animBg="1"/>
+    </p:bldLst>
   </p:timing>
 </p:sld>
 </file>
@@ -12276,16 +15719,7 @@
                 </a:solidFill>
                 <a:latin typeface="Arial" panose="020B0604020202020204" pitchFamily="34" charset="0"/>
               </a:rPr>
-              <a:t>种对结构化数据序列化的</a:t>
-            </a:r>
-            <a:r>
-              <a:rPr lang="zh-CN" altLang="en-US" dirty="0" smtClean="0">
-                <a:solidFill>
-                  <a:srgbClr val="666666"/>
-                </a:solidFill>
-                <a:latin typeface="Arial" panose="020B0604020202020204" pitchFamily="34" charset="0"/>
-              </a:rPr>
-              <a:t>工具</a:t>
+              <a:t>种对结构化数据序列化的工具</a:t>
             </a:r>
             <a:endParaRPr lang="zh-CN" altLang="en-US" dirty="0"/>
           </a:p>
@@ -14222,11 +17656,7 @@
             </a:r>
             <a:r>
               <a:rPr lang="zh-CN" altLang="en-US" sz="1400" dirty="0" smtClean="0"/>
-              <a:t>较臃肿、空间占用大、解析</a:t>
-            </a:r>
-            <a:r>
-              <a:rPr lang="zh-CN" altLang="en-US" sz="1400" dirty="0" smtClean="0"/>
-              <a:t>慢</a:t>
+              <a:t>较臃肿、空间占用大、解析慢</a:t>
             </a:r>
             <a:endParaRPr lang="en-US" altLang="zh-CN" sz="1400" dirty="0" smtClean="0"/>
           </a:p>
@@ -14250,11 +17680,7 @@
             <a:pPr lvl="1"/>
             <a:r>
               <a:rPr lang="en-US" altLang="zh-CN" sz="2400" b="1" dirty="0" smtClean="0"/>
-              <a:t>Built-in </a:t>
-            </a:r>
-            <a:r>
-              <a:rPr lang="en-US" altLang="zh-CN" sz="2400" b="1" dirty="0" smtClean="0"/>
-              <a:t>serialization</a:t>
+              <a:t>Built-in serialization</a:t>
             </a:r>
             <a:r>
               <a:rPr lang="zh-CN" altLang="en-US" sz="1600" b="1" dirty="0" smtClean="0"/>
@@ -14342,11 +17768,7 @@
             </a:r>
             <a:r>
               <a:rPr lang="zh-CN" altLang="en-US" sz="1400" dirty="0" smtClean="0"/>
-              <a:t>性能</a:t>
-            </a:r>
-            <a:r>
-              <a:rPr lang="zh-CN" altLang="en-US" sz="1400" dirty="0" smtClean="0"/>
-              <a:t>差不多、数据类型更丰富（支持</a:t>
+              <a:t>性能差不多、数据类型更丰富（支持</a:t>
             </a:r>
             <a:r>
               <a:rPr lang="en-US" altLang="zh-CN" sz="1400" dirty="0" smtClean="0"/>
@@ -14402,11 +17824,7 @@
             </a:r>
             <a:r>
               <a:rPr lang="zh-CN" altLang="en-US" sz="1400" dirty="0" smtClean="0"/>
-              <a:t>代码、支持</a:t>
-            </a:r>
-            <a:r>
-              <a:rPr lang="zh-CN" altLang="en-US" sz="1400" dirty="0" smtClean="0"/>
-              <a:t>动态</a:t>
+              <a:t>代码、支持动态</a:t>
             </a:r>
             <a:r>
               <a:rPr lang="en-US" altLang="zh-CN" sz="1400" dirty="0" smtClean="0"/>
@@ -14858,6 +18276,13 @@
   <p:clrMapOvr>
     <a:masterClrMapping/>
   </p:clrMapOvr>
+  <p:timing>
+    <p:tnLst>
+      <p:par>
+        <p:cTn id="1" dur="indefinite" restart="never" nodeType="tmRoot"/>
+      </p:par>
+    </p:tnLst>
+  </p:timing>
 </p:sld>
 </file>
 
@@ -15035,7 +18460,6 @@
               <a:rPr lang="zh-CN" altLang="en-US" sz="2000" dirty="0"/>
               <a:t>实现</a:t>
             </a:r>
-            <a:endParaRPr lang="zh-CN" altLang="en-US" sz="2000" dirty="0"/>
           </a:p>
           <a:p>
             <a:pPr fontAlgn="base"/>
@@ -15320,6 +18744,13 @@
   <p:clrMapOvr>
     <a:masterClrMapping/>
   </p:clrMapOvr>
+  <p:timing>
+    <p:tnLst>
+      <p:par>
+        <p:cTn id="1" dur="indefinite" restart="never" nodeType="tmRoot"/>
+      </p:par>
+    </p:tnLst>
+  </p:timing>
 </p:sld>
 </file>
 

--- a/ProtocolBuffer简介——by顾汉杰.pptx
+++ b/ProtocolBuffer简介——by顾汉杰.pptx
@@ -225,7 +225,7 @@
           <a:p>
             <a:fld id="{A1FC34FB-5741-456C-913B-2C8C1133FF29}" type="datetimeFigureOut">
               <a:rPr lang="zh-CN" altLang="en-US" smtClean="0"/>
-              <a:t>2016/5/5</a:t>
+              <a:t>2016/5/11</a:t>
             </a:fld>
             <a:endParaRPr lang="zh-CN" altLang="en-US"/>
           </a:p>
@@ -727,10 +727,10 @@
                 <a:ea typeface="+mn-ea"/>
                 <a:cs typeface="+mn-cs"/>
               </a:rPr>
-              <a:t>：用户只需要用用</a:t>
-            </a:r>
-            <a:r>
-              <a:rPr lang="en-US" altLang="zh-CN" sz="1200" b="0" i="0" kern="1200" dirty="0" smtClean="0">
+              <a:t>：通过一种中立的方式描述接口，实现在不同平台和不同语言编写的程序间的互相通信。用户</a:t>
+            </a:r>
+            <a:r>
+              <a:rPr lang="zh-CN" altLang="en-US" sz="1200" b="0" i="0" kern="1200" dirty="0" smtClean="0">
                 <a:solidFill>
                   <a:schemeClr val="tx1"/>
                 </a:solidFill>
@@ -739,7 +739,7 @@
                 <a:ea typeface="+mn-ea"/>
                 <a:cs typeface="+mn-cs"/>
               </a:rPr>
-              <a:t>IDL</a:t>
+              <a:t>只需</a:t>
             </a:r>
             <a:r>
               <a:rPr lang="zh-CN" altLang="en-US" sz="1200" b="0" i="0" kern="1200" dirty="0" smtClean="0">
@@ -751,7 +751,7 @@
                 <a:ea typeface="+mn-ea"/>
                 <a:cs typeface="+mn-cs"/>
               </a:rPr>
-              <a:t>来描述需要传输的数据类型和需要调用的接口</a:t>
+              <a:t>要用</a:t>
             </a:r>
             <a:r>
               <a:rPr lang="en-US" altLang="zh-CN" sz="1200" b="0" i="0" kern="1200" dirty="0" smtClean="0">
@@ -763,7 +763,7 @@
                 <a:ea typeface="+mn-ea"/>
                 <a:cs typeface="+mn-cs"/>
               </a:rPr>
-              <a:t>, </a:t>
+              <a:t>IDL</a:t>
             </a:r>
             <a:r>
               <a:rPr lang="zh-CN" altLang="en-US" sz="1200" b="0" i="0" kern="1200" dirty="0" smtClean="0">
@@ -775,10 +775,10 @@
                 <a:ea typeface="+mn-ea"/>
                 <a:cs typeface="+mn-cs"/>
               </a:rPr>
-              <a:t>由</a:t>
-            </a:r>
-            <a:r>
-              <a:rPr lang="en-US" altLang="zh-CN" sz="1200" b="0" i="0" kern="1200" dirty="0" err="1" smtClean="0">
+              <a:t>（</a:t>
+            </a:r>
+            <a:r>
+              <a:rPr lang="en-US" altLang="zh-CN" sz="1200" b="0" i="0" kern="1200" dirty="0" smtClean="0">
                 <a:solidFill>
                   <a:schemeClr val="tx1"/>
                 </a:solidFill>
@@ -787,7 +787,7 @@
                 <a:ea typeface="+mn-ea"/>
                 <a:cs typeface="+mn-cs"/>
               </a:rPr>
-              <a:t>corba</a:t>
+              <a:t>Interface Description Language</a:t>
             </a:r>
             <a:r>
               <a:rPr lang="zh-CN" altLang="en-US" sz="1200" b="0" i="0" kern="1200" dirty="0" smtClean="0">
@@ -799,7 +799,79 @@
                 <a:ea typeface="+mn-ea"/>
                 <a:cs typeface="+mn-cs"/>
               </a:rPr>
-              <a:t>引擎来完成其余的对各种语言的转化 。</a:t>
+              <a:t>）来</a:t>
+            </a:r>
+            <a:r>
+              <a:rPr lang="zh-CN" altLang="en-US" sz="1200" b="0" i="0" kern="1200" dirty="0" smtClean="0">
+                <a:solidFill>
+                  <a:schemeClr val="tx1"/>
+                </a:solidFill>
+                <a:effectLst/>
+                <a:latin typeface="+mn-lt"/>
+                <a:ea typeface="+mn-ea"/>
+                <a:cs typeface="+mn-cs"/>
+              </a:rPr>
+              <a:t>描述需要传输的数据类型和需要调用的接口</a:t>
+            </a:r>
+            <a:r>
+              <a:rPr lang="en-US" altLang="zh-CN" sz="1200" b="0" i="0" kern="1200" dirty="0" smtClean="0">
+                <a:solidFill>
+                  <a:schemeClr val="tx1"/>
+                </a:solidFill>
+                <a:effectLst/>
+                <a:latin typeface="+mn-lt"/>
+                <a:ea typeface="+mn-ea"/>
+                <a:cs typeface="+mn-cs"/>
+              </a:rPr>
+              <a:t>, </a:t>
+            </a:r>
+            <a:r>
+              <a:rPr lang="zh-CN" altLang="en-US" sz="1200" b="0" i="0" kern="1200" dirty="0" smtClean="0">
+                <a:solidFill>
+                  <a:schemeClr val="tx1"/>
+                </a:solidFill>
+                <a:effectLst/>
+                <a:latin typeface="+mn-lt"/>
+                <a:ea typeface="+mn-ea"/>
+                <a:cs typeface="+mn-cs"/>
+              </a:rPr>
+              <a:t>由</a:t>
+            </a:r>
+            <a:r>
+              <a:rPr lang="en-US" altLang="zh-CN" sz="1200" b="0" i="0" kern="1200" dirty="0" err="1" smtClean="0">
+                <a:solidFill>
+                  <a:schemeClr val="tx1"/>
+                </a:solidFill>
+                <a:effectLst/>
+                <a:latin typeface="+mn-lt"/>
+                <a:ea typeface="+mn-ea"/>
+                <a:cs typeface="+mn-cs"/>
+              </a:rPr>
+              <a:t>corba</a:t>
+            </a:r>
+            <a:r>
+              <a:rPr lang="zh-CN" altLang="en-US" sz="1200" b="0" i="0" kern="1200" dirty="0" smtClean="0">
+                <a:solidFill>
+                  <a:schemeClr val="tx1"/>
+                </a:solidFill>
+                <a:effectLst/>
+                <a:latin typeface="+mn-lt"/>
+                <a:ea typeface="+mn-ea"/>
+                <a:cs typeface="+mn-cs"/>
+              </a:rPr>
+              <a:t>引擎来完成其余的对各种语言的转化 </a:t>
+            </a:r>
+            <a:r>
+              <a:rPr lang="zh-CN" altLang="en-US" sz="1200" b="0" i="0" kern="1200" dirty="0" smtClean="0">
+                <a:solidFill>
+                  <a:schemeClr val="tx1"/>
+                </a:solidFill>
+                <a:effectLst/>
+                <a:latin typeface="+mn-lt"/>
+                <a:ea typeface="+mn-ea"/>
+                <a:cs typeface="+mn-cs"/>
+              </a:rPr>
+              <a:t>。</a:t>
             </a:r>
             <a:endParaRPr lang="en-US" altLang="zh-CN" sz="1200" b="0" i="0" kern="1200" dirty="0" smtClean="0">
               <a:solidFill>
@@ -813,7 +885,7 @@
           </a:p>
           <a:p>
             <a:r>
-              <a:rPr lang="en-US" altLang="zh-CN" sz="1200" b="0" i="0" kern="1200" dirty="0" smtClean="0">
+              <a:rPr lang="zh-CN" altLang="en-US" sz="1200" b="0" i="0" kern="1200" dirty="0" smtClean="0">
                 <a:solidFill>
                   <a:schemeClr val="tx1"/>
                 </a:solidFill>
@@ -822,10 +894,21 @@
                 <a:ea typeface="+mn-ea"/>
                 <a:cs typeface="+mn-cs"/>
               </a:rPr>
-              <a:t>web service</a:t>
-            </a:r>
-            <a:r>
-              <a:rPr lang="zh-CN" altLang="en-US" sz="1200" b="0" i="0" kern="1200" dirty="0" smtClean="0">
+              <a:t>（本身是学术性产品，而且不太适合互联网分布式网络环境的应用）</a:t>
+            </a:r>
+            <a:endParaRPr lang="en-US" altLang="zh-CN" sz="1200" b="0" i="0" kern="1200" dirty="0" smtClean="0">
+              <a:solidFill>
+                <a:schemeClr val="tx1"/>
+              </a:solidFill>
+              <a:effectLst/>
+              <a:latin typeface="+mn-lt"/>
+              <a:ea typeface="+mn-ea"/>
+              <a:cs typeface="+mn-cs"/>
+            </a:endParaRPr>
+          </a:p>
+          <a:p>
+            <a:r>
+              <a:rPr lang="en-US" altLang="zh-CN" sz="1200" b="0" i="0" kern="1200" dirty="0" smtClean="0">
                 <a:solidFill>
                   <a:schemeClr val="tx1"/>
                 </a:solidFill>
@@ -834,7 +917,7 @@
                 <a:ea typeface="+mn-ea"/>
                 <a:cs typeface="+mn-cs"/>
               </a:rPr>
-              <a:t>：提供一种通用的</a:t>
+              <a:t>Web </a:t>
             </a:r>
             <a:r>
               <a:rPr lang="en-US" altLang="zh-CN" sz="1200" b="0" i="0" kern="1200" dirty="0" smtClean="0">
@@ -846,7 +929,7 @@
                 <a:ea typeface="+mn-ea"/>
                 <a:cs typeface="+mn-cs"/>
               </a:rPr>
-              <a:t>,</a:t>
+              <a:t>service</a:t>
             </a:r>
             <a:r>
               <a:rPr lang="zh-CN" altLang="en-US" sz="1200" b="0" i="0" kern="1200" dirty="0" smtClean="0">
@@ -858,7 +941,7 @@
                 <a:ea typeface="+mn-ea"/>
                 <a:cs typeface="+mn-cs"/>
               </a:rPr>
-              <a:t>、机器可理解的文本语言</a:t>
+              <a:t>：提供一种通用的</a:t>
             </a:r>
             <a:r>
               <a:rPr lang="en-US" altLang="zh-CN" sz="1200" b="0" i="0" kern="1200" dirty="0" smtClean="0">
@@ -870,7 +953,165 @@
                 <a:ea typeface="+mn-ea"/>
                 <a:cs typeface="+mn-cs"/>
               </a:rPr>
-              <a:t>, XML. Soap</a:t>
+              <a:t>,</a:t>
+            </a:r>
+            <a:r>
+              <a:rPr lang="zh-CN" altLang="en-US" sz="1200" b="0" i="0" kern="1200" dirty="0" smtClean="0">
+                <a:solidFill>
+                  <a:schemeClr val="tx1"/>
+                </a:solidFill>
+                <a:effectLst/>
+                <a:latin typeface="+mn-lt"/>
+                <a:ea typeface="+mn-ea"/>
+                <a:cs typeface="+mn-cs"/>
+              </a:rPr>
+              <a:t>、机器可理解的文本语言</a:t>
+            </a:r>
+            <a:r>
+              <a:rPr lang="en-US" altLang="zh-CN" sz="1200" b="0" i="0" kern="1200" dirty="0" smtClean="0">
+                <a:solidFill>
+                  <a:schemeClr val="tx1"/>
+                </a:solidFill>
+                <a:effectLst/>
+                <a:latin typeface="+mn-lt"/>
+                <a:ea typeface="+mn-ea"/>
+                <a:cs typeface="+mn-cs"/>
+              </a:rPr>
+              <a:t>, XML. </a:t>
+            </a:r>
+            <a:r>
+              <a:rPr lang="en-US" altLang="zh-CN" sz="1200" b="0" i="0" kern="1200" dirty="0" smtClean="0">
+                <a:solidFill>
+                  <a:schemeClr val="tx1"/>
+                </a:solidFill>
+                <a:effectLst/>
+                <a:latin typeface="+mn-lt"/>
+                <a:ea typeface="+mn-ea"/>
+                <a:cs typeface="+mn-cs"/>
+              </a:rPr>
+              <a:t>Soap</a:t>
+            </a:r>
+          </a:p>
+          <a:p>
+            <a:r>
+              <a:rPr lang="en-US" altLang="zh-CN" sz="1200" b="0" i="0" kern="1200" dirty="0" smtClean="0">
+                <a:solidFill>
+                  <a:schemeClr val="tx1"/>
+                </a:solidFill>
+                <a:effectLst/>
+                <a:latin typeface="+mn-lt"/>
+                <a:ea typeface="+mn-ea"/>
+                <a:cs typeface="+mn-cs"/>
+              </a:rPr>
+              <a:t>Restful</a:t>
+            </a:r>
+            <a:r>
+              <a:rPr lang="zh-CN" altLang="en-US" sz="1200" b="0" i="0" kern="1200" dirty="0" smtClean="0">
+                <a:solidFill>
+                  <a:schemeClr val="tx1"/>
+                </a:solidFill>
+                <a:effectLst/>
+                <a:latin typeface="+mn-lt"/>
+                <a:ea typeface="+mn-ea"/>
+                <a:cs typeface="+mn-cs"/>
+              </a:rPr>
+              <a:t>（</a:t>
+            </a:r>
+            <a:r>
+              <a:rPr lang="en-US" altLang="zh-CN" sz="1200" b="0" i="0" kern="1200" dirty="0" smtClean="0">
+                <a:solidFill>
+                  <a:schemeClr val="tx1"/>
+                </a:solidFill>
+                <a:effectLst/>
+                <a:latin typeface="+mn-lt"/>
+                <a:ea typeface="+mn-ea"/>
+                <a:cs typeface="+mn-cs"/>
+              </a:rPr>
+              <a:t>Representational State Transfer</a:t>
+            </a:r>
+            <a:r>
+              <a:rPr lang="zh-CN" altLang="en-US" sz="1200" b="0" i="0" kern="1200" dirty="0" smtClean="0">
+                <a:solidFill>
+                  <a:schemeClr val="tx1"/>
+                </a:solidFill>
+                <a:effectLst/>
+                <a:latin typeface="+mn-lt"/>
+                <a:ea typeface="+mn-ea"/>
+                <a:cs typeface="+mn-cs"/>
+              </a:rPr>
+              <a:t>，可表述性状态转移），是一个架构风格，比</a:t>
+            </a:r>
+            <a:r>
+              <a:rPr lang="en-US" altLang="zh-CN" sz="1200" b="0" i="0" kern="1200" dirty="0" smtClean="0">
+                <a:solidFill>
+                  <a:schemeClr val="tx1"/>
+                </a:solidFill>
+                <a:effectLst/>
+                <a:latin typeface="+mn-lt"/>
+                <a:ea typeface="+mn-ea"/>
+                <a:cs typeface="+mn-cs"/>
+              </a:rPr>
+              <a:t>SOAP</a:t>
+            </a:r>
+            <a:r>
+              <a:rPr lang="zh-CN" altLang="en-US" sz="1200" b="0" i="0" kern="1200" dirty="0" smtClean="0">
+                <a:solidFill>
+                  <a:schemeClr val="tx1"/>
+                </a:solidFill>
+                <a:effectLst/>
+                <a:latin typeface="+mn-lt"/>
+                <a:ea typeface="+mn-ea"/>
+                <a:cs typeface="+mn-cs"/>
+              </a:rPr>
+              <a:t>，</a:t>
+            </a:r>
+            <a:r>
+              <a:rPr lang="en-US" altLang="zh-CN" sz="1200" b="0" i="0" kern="1200" dirty="0" smtClean="0">
+                <a:solidFill>
+                  <a:schemeClr val="tx1"/>
+                </a:solidFill>
+                <a:effectLst/>
+                <a:latin typeface="+mn-lt"/>
+                <a:ea typeface="+mn-ea"/>
+                <a:cs typeface="+mn-cs"/>
+              </a:rPr>
+              <a:t>xml</a:t>
+            </a:r>
+            <a:r>
+              <a:rPr lang="zh-CN" altLang="en-US" sz="1200" b="0" i="0" kern="1200" dirty="0" smtClean="0">
+                <a:solidFill>
+                  <a:schemeClr val="tx1"/>
+                </a:solidFill>
+                <a:effectLst/>
+                <a:latin typeface="+mn-lt"/>
+                <a:ea typeface="+mn-ea"/>
+                <a:cs typeface="+mn-cs"/>
+              </a:rPr>
+              <a:t>更简洁，并且具有了一定的分层架构思想（如</a:t>
+            </a:r>
+            <a:r>
+              <a:rPr lang="en-US" altLang="zh-CN" sz="1200" b="0" i="0" kern="1200" dirty="0" smtClean="0">
+                <a:solidFill>
+                  <a:schemeClr val="tx1"/>
+                </a:solidFill>
+                <a:effectLst/>
+                <a:latin typeface="+mn-lt"/>
+                <a:ea typeface="+mn-ea"/>
+                <a:cs typeface="+mn-cs"/>
+              </a:rPr>
+              <a:t>/user/**</a:t>
+            </a:r>
+            <a:r>
+              <a:rPr lang="zh-CN" altLang="en-US" sz="1200" b="0" i="0" kern="1200" dirty="0" smtClean="0">
+                <a:solidFill>
+                  <a:schemeClr val="tx1"/>
+                </a:solidFill>
+                <a:effectLst/>
+                <a:latin typeface="+mn-lt"/>
+                <a:ea typeface="+mn-ea"/>
+                <a:cs typeface="+mn-cs"/>
+              </a:rPr>
+              <a:t>下表示用户模块资源）</a:t>
             </a:r>
             <a:endParaRPr lang="zh-CN" altLang="en-US" dirty="0"/>
           </a:p>
@@ -10385,7 +10626,67 @@
             </a:r>
             <a:r>
               <a:rPr lang="zh-CN" altLang="en-US" sz="1400" dirty="0" smtClean="0"/>
-              <a:t>实现前置和后置处理，如正则校验、安全信息过滤）</a:t>
+              <a:t>实现前置和后置处理，如正则校验、安全信息过滤</a:t>
+            </a:r>
+            <a:r>
+              <a:rPr lang="zh-CN" altLang="en-US" sz="1400" dirty="0" smtClean="0"/>
+              <a:t>）</a:t>
+            </a:r>
+            <a:endParaRPr lang="en-US" altLang="zh-CN" sz="1400" dirty="0" smtClean="0"/>
+          </a:p>
+          <a:p>
+            <a:pPr lvl="1"/>
+            <a:r>
+              <a:rPr lang="zh-CN" altLang="en-US" sz="1400" dirty="0" smtClean="0"/>
+              <a:t>结合</a:t>
+            </a:r>
+            <a:r>
+              <a:rPr lang="en-US" altLang="zh-CN" sz="1400" dirty="0" smtClean="0"/>
+              <a:t>Java</a:t>
+            </a:r>
+            <a:r>
+              <a:rPr lang="zh-CN" altLang="en-US" sz="1400" dirty="0" smtClean="0"/>
+              <a:t>的</a:t>
+            </a:r>
+            <a:r>
+              <a:rPr lang="en-US" altLang="zh-CN" sz="1400" dirty="0" smtClean="0"/>
+              <a:t>Annotation</a:t>
+            </a:r>
+            <a:r>
+              <a:rPr lang="zh-CN" altLang="en-US" sz="1400" dirty="0" smtClean="0"/>
+              <a:t>注解机制和</a:t>
+            </a:r>
+            <a:r>
+              <a:rPr lang="en-US" altLang="zh-CN" sz="1400" dirty="0" err="1" smtClean="0"/>
+              <a:t>ProtocolBuffer</a:t>
+            </a:r>
+            <a:r>
+              <a:rPr lang="zh-CN" altLang="en-US" sz="1400" dirty="0" smtClean="0"/>
+              <a:t>的语法、编码和兼容等相关思想，可以自实现一套</a:t>
+            </a:r>
+            <a:r>
+              <a:rPr lang="en-US" altLang="zh-CN" sz="1400" dirty="0" smtClean="0"/>
+              <a:t>java</a:t>
+            </a:r>
+            <a:r>
+              <a:rPr lang="zh-CN" altLang="en-US" sz="1400" dirty="0" smtClean="0"/>
+              <a:t>语言版本的序列化方案（</a:t>
+            </a:r>
+            <a:r>
+              <a:rPr lang="en-US" altLang="zh-CN" sz="1400" dirty="0" smtClean="0"/>
+              <a:t>from</a:t>
+            </a:r>
+            <a:r>
+              <a:rPr lang="zh-CN" altLang="en-US" sz="1400" dirty="0" smtClean="0"/>
+              <a:t>徐超的</a:t>
+            </a:r>
+            <a:r>
+              <a:rPr lang="en-US" altLang="zh-CN" sz="1400" dirty="0" smtClean="0"/>
+              <a:t>idea</a:t>
+            </a:r>
+            <a:r>
+              <a:rPr lang="zh-CN" altLang="en-US" sz="1400" dirty="0" smtClean="0"/>
+              <a:t>）</a:t>
             </a:r>
             <a:endParaRPr lang="en-US" altLang="zh-CN" sz="1400" dirty="0"/>
           </a:p>
@@ -11081,11 +11382,7 @@
           <a:p>
             <a:r>
               <a:rPr lang="zh-CN" altLang="en-US" dirty="0" smtClean="0"/>
-              <a:t>扩展</a:t>
-            </a:r>
-            <a:r>
-              <a:rPr lang="zh-CN" altLang="en-US" dirty="0" smtClean="0"/>
-              <a:t>实例</a:t>
+              <a:t>扩展实例</a:t>
             </a:r>
             <a:r>
               <a:rPr lang="en-US" altLang="zh-CN" dirty="0" smtClean="0"/>
@@ -12666,16 +12963,7 @@
                 </a:solidFill>
                 <a:latin typeface="Calibri" panose="020F0502020204030204" pitchFamily="34" charset="0"/>
               </a:rPr>
-              <a:t>通过</a:t>
-            </a:r>
-            <a:r>
-              <a:rPr lang="zh-CN" altLang="en-US" sz="1400" dirty="0" smtClean="0">
-                <a:solidFill>
-                  <a:srgbClr val="666666"/>
-                </a:solidFill>
-                <a:latin typeface="Calibri" panose="020F0502020204030204" pitchFamily="34" charset="0"/>
-              </a:rPr>
-              <a:t>编译池找到动态编译出的类型消息</a:t>
+              <a:t>通过编译池找到动态编译出的类型消息</a:t>
             </a:r>
             <a:r>
               <a:rPr lang="en-US" altLang="zh-CN" sz="1400" dirty="0" smtClean="0">
